--- a/report.pptx
+++ b/report.pptx
@@ -5,7 +5,7 @@
     <p:sldMasterId id="2147484304" r:id="rId1"/>
   </p:sldMasterIdLst>
   <p:notesMasterIdLst>
-    <p:notesMasterId r:id="rId32"/>
+    <p:notesMasterId r:id="rId26"/>
   </p:notesMasterIdLst>
   <p:sldIdLst>
     <p:sldId id="256" r:id="rId2"/>
@@ -17,27 +17,21 @@
     <p:sldId id="259" r:id="rId8"/>
     <p:sldId id="292" r:id="rId9"/>
     <p:sldId id="287" r:id="rId10"/>
-    <p:sldId id="276" r:id="rId11"/>
-    <p:sldId id="274" r:id="rId12"/>
-    <p:sldId id="277" r:id="rId13"/>
-    <p:sldId id="278" r:id="rId14"/>
-    <p:sldId id="280" r:id="rId15"/>
-    <p:sldId id="279" r:id="rId16"/>
-    <p:sldId id="282" r:id="rId17"/>
-    <p:sldId id="281" r:id="rId18"/>
-    <p:sldId id="284" r:id="rId19"/>
-    <p:sldId id="295" r:id="rId20"/>
-    <p:sldId id="283" r:id="rId21"/>
-    <p:sldId id="293" r:id="rId22"/>
-    <p:sldId id="264" r:id="rId23"/>
-    <p:sldId id="262" r:id="rId24"/>
-    <p:sldId id="261" r:id="rId25"/>
-    <p:sldId id="265" r:id="rId26"/>
-    <p:sldId id="266" r:id="rId27"/>
-    <p:sldId id="260" r:id="rId28"/>
-    <p:sldId id="268" r:id="rId29"/>
-    <p:sldId id="294" r:id="rId30"/>
-    <p:sldId id="270" r:id="rId31"/>
+    <p:sldId id="274" r:id="rId11"/>
+    <p:sldId id="278" r:id="rId12"/>
+    <p:sldId id="279" r:id="rId13"/>
+    <p:sldId id="281" r:id="rId14"/>
+    <p:sldId id="283" r:id="rId15"/>
+    <p:sldId id="293" r:id="rId16"/>
+    <p:sldId id="264" r:id="rId17"/>
+    <p:sldId id="262" r:id="rId18"/>
+    <p:sldId id="261" r:id="rId19"/>
+    <p:sldId id="265" r:id="rId20"/>
+    <p:sldId id="266" r:id="rId21"/>
+    <p:sldId id="260" r:id="rId22"/>
+    <p:sldId id="268" r:id="rId23"/>
+    <p:sldId id="294" r:id="rId24"/>
+    <p:sldId id="270" r:id="rId25"/>
   </p:sldIdLst>
   <p:sldSz cx="12192000" cy="6858000"/>
   <p:notesSz cx="6858000" cy="9144000"/>
@@ -136,6 +130,11 @@
       </a:defRPr>
     </a:lvl9pPr>
   </p:defaultTextStyle>
+  <p:extLst>
+    <p:ext uri="{EFAFB233-063F-42B5-8137-9DF3F51BA10A}">
+      <p15:sldGuideLst xmlns:p15="http://schemas.microsoft.com/office/powerpoint/2012/main"/>
+    </p:ext>
+  </p:extLst>
 </p:presentation>
 </file>
 
@@ -508,7 +507,7 @@
       </p:grpSpPr>
       <p:sp>
         <p:nvSpPr>
-          <p:cNvPr id="2" name="投影片影像版面配置區 1"/>
+          <p:cNvPr id="2" name="投影片圖像版面配置區 1"/>
           <p:cNvSpPr>
             <a:spLocks noGrp="1" noRot="1" noChangeAspect="1"/>
           </p:cNvSpPr>
@@ -533,7 +532,26 @@
           <a:bodyPr/>
           <a:lstStyle/>
           <a:p>
-            <a:endParaRPr kumimoji="1" lang="zh-TW" altLang="en-US" dirty="0"/>
+            <a:r>
+              <a:rPr lang="zh-TW" altLang="en-US" dirty="0" smtClean="0"/>
+              <a:t>使得公益組織的捐款更加便利</a:t>
+            </a:r>
+            <a:endParaRPr lang="en-US" altLang="zh-TW" dirty="0" smtClean="0"/>
+          </a:p>
+          <a:p>
+            <a:r>
+              <a:rPr lang="zh-TW" altLang="en-US" dirty="0" smtClean="0"/>
+              <a:t>幫助</a:t>
+            </a:r>
+            <a:r>
+              <a:rPr lang="en-US" altLang="zh-TW" dirty="0" smtClean="0"/>
+              <a:t>user</a:t>
+            </a:r>
+            <a:r>
+              <a:rPr lang="zh-TW" altLang="en-US" dirty="0" smtClean="0"/>
+              <a:t>成功的經驗 將無形的知識</a:t>
+            </a:r>
+            <a:endParaRPr lang="zh-TW" altLang="en-US" dirty="0"/>
           </a:p>
         </p:txBody>
       </p:sp>
@@ -552,112 +570,9 @@
           <a:bodyPr/>
           <a:lstStyle/>
           <a:p>
-            <a:fld id="{DD70F702-D691-4A4A-AD41-095DB9E8F913}" type="slidenum">
-              <a:rPr kumimoji="1" lang="zh-TW" altLang="en-US" smtClean="0"/>
-              <a:t>10</a:t>
-            </a:fld>
-            <a:endParaRPr kumimoji="1" lang="zh-TW" altLang="en-US"/>
-          </a:p>
-        </p:txBody>
-      </p:sp>
-    </p:spTree>
-    <p:extLst>
-      <p:ext uri="{BB962C8B-B14F-4D97-AF65-F5344CB8AC3E}">
-        <p14:creationId xmlns:p14="http://schemas.microsoft.com/office/powerpoint/2010/main" val="1585324788"/>
-      </p:ext>
-    </p:extLst>
-  </p:cSld>
-  <p:clrMapOvr>
-    <a:masterClrMapping/>
-  </p:clrMapOvr>
-</p:notes>
-</file>
-
-<file path=ppt/notesSlides/notesSlide2.xml><?xml version="1.0" encoding="utf-8"?>
-<p:notes xmlns:a="http://schemas.openxmlformats.org/drawingml/2006/main" xmlns:r="http://schemas.openxmlformats.org/officeDocument/2006/relationships" xmlns:p="http://schemas.openxmlformats.org/presentationml/2006/main">
-  <p:cSld>
-    <p:spTree>
-      <p:nvGrpSpPr>
-        <p:cNvPr id="1" name=""/>
-        <p:cNvGrpSpPr/>
-        <p:nvPr/>
-      </p:nvGrpSpPr>
-      <p:grpSpPr>
-        <a:xfrm>
-          <a:off x="0" y="0"/>
-          <a:ext cx="0" cy="0"/>
-          <a:chOff x="0" y="0"/>
-          <a:chExt cx="0" cy="0"/>
-        </a:xfrm>
-      </p:grpSpPr>
-      <p:sp>
-        <p:nvSpPr>
-          <p:cNvPr id="2" name="投影片圖像版面配置區 1"/>
-          <p:cNvSpPr>
-            <a:spLocks noGrp="1" noRot="1" noChangeAspect="1"/>
-          </p:cNvSpPr>
-          <p:nvPr>
-            <p:ph type="sldImg"/>
-          </p:nvPr>
-        </p:nvSpPr>
-        <p:spPr/>
-      </p:sp>
-      <p:sp>
-        <p:nvSpPr>
-          <p:cNvPr id="3" name="備忘稿版面配置區 2"/>
-          <p:cNvSpPr>
-            <a:spLocks noGrp="1"/>
-          </p:cNvSpPr>
-          <p:nvPr>
-            <p:ph type="body" idx="1"/>
-          </p:nvPr>
-        </p:nvSpPr>
-        <p:spPr/>
-        <p:txBody>
-          <a:bodyPr/>
-          <a:lstStyle/>
-          <a:p>
-            <a:r>
-              <a:rPr lang="zh-TW" altLang="en-US" dirty="0" smtClean="0"/>
-              <a:t>使得公益組織的捐款更加便利</a:t>
-            </a:r>
-            <a:endParaRPr lang="en-US" altLang="zh-TW" dirty="0" smtClean="0"/>
-          </a:p>
-          <a:p>
-            <a:r>
-              <a:rPr lang="zh-TW" altLang="en-US" dirty="0" smtClean="0"/>
-              <a:t>幫助</a:t>
-            </a:r>
-            <a:r>
-              <a:rPr lang="en-US" altLang="zh-TW" dirty="0" smtClean="0"/>
-              <a:t>user</a:t>
-            </a:r>
-            <a:r>
-              <a:rPr lang="zh-TW" altLang="en-US" dirty="0" smtClean="0"/>
-              <a:t>成功的經驗 將無形的知識</a:t>
-            </a:r>
-            <a:endParaRPr lang="zh-TW" altLang="en-US" dirty="0"/>
-          </a:p>
-        </p:txBody>
-      </p:sp>
-      <p:sp>
-        <p:nvSpPr>
-          <p:cNvPr id="4" name="投影片編號版面配置區 3"/>
-          <p:cNvSpPr>
-            <a:spLocks noGrp="1"/>
-          </p:cNvSpPr>
-          <p:nvPr>
-            <p:ph type="sldNum" sz="quarter" idx="10"/>
-          </p:nvPr>
-        </p:nvSpPr>
-        <p:spPr/>
-        <p:txBody>
-          <a:bodyPr/>
-          <a:lstStyle/>
-          <a:p>
             <a:fld id="{84C8CABD-F114-4E5D-86ED-072BAFBE528A}" type="slidenum">
               <a:rPr lang="zh-TW" altLang="en-US" smtClean="0"/>
-              <a:t>30</a:t>
+              <a:t>24</a:t>
             </a:fld>
             <a:endParaRPr lang="zh-TW" altLang="en-US"/>
           </a:p>
@@ -5117,16 +5032,68 @@
           <a:chExt cx="0" cy="0"/>
         </a:xfrm>
       </p:grpSpPr>
+      <p:sp>
+        <p:nvSpPr>
+          <p:cNvPr id="3" name="內容版面配置區 2"/>
+          <p:cNvSpPr>
+            <a:spLocks noGrp="1"/>
+          </p:cNvSpPr>
+          <p:nvPr>
+            <p:ph idx="1"/>
+          </p:nvPr>
+        </p:nvSpPr>
+        <p:spPr>
+          <a:xfrm>
+            <a:off x="1069848" y="389744"/>
+            <a:ext cx="10058400" cy="5782456"/>
+          </a:xfrm>
+        </p:spPr>
+        <p:txBody>
+          <a:bodyPr/>
+          <a:lstStyle/>
+          <a:p>
+            <a:r>
+              <a:rPr kumimoji="1" lang="zh-TW" altLang="en-US" dirty="0"/>
+              <a:t>依照顧客使用紀錄或類型，快速整合並給予金融商品推薦</a:t>
+            </a:r>
+            <a:endParaRPr kumimoji="1" lang="en-US" altLang="zh-TW" dirty="0"/>
+          </a:p>
+          <a:p>
+            <a:r>
+              <a:rPr kumimoji="1" lang="zh-TW" altLang="en-US" dirty="0" smtClean="0">
+                <a:solidFill>
+                  <a:srgbClr val="FF0000"/>
+                </a:solidFill>
+              </a:rPr>
+              <a:t>依照顧客使用紀錄或類型，媒合理專</a:t>
+            </a:r>
+            <a:endParaRPr kumimoji="1" lang="en-US" altLang="zh-TW" dirty="0" smtClean="0">
+              <a:solidFill>
+                <a:srgbClr val="FF0000"/>
+              </a:solidFill>
+            </a:endParaRPr>
+          </a:p>
+          <a:p>
+            <a:endParaRPr kumimoji="1" lang="en-US" altLang="zh-TW" dirty="0" smtClean="0"/>
+          </a:p>
+          <a:p>
+            <a:endParaRPr kumimoji="1" lang="en-US" altLang="zh-TW" dirty="0" smtClean="0"/>
+          </a:p>
+          <a:p>
+            <a:endParaRPr kumimoji="1" lang="zh-TW" altLang="en-US" dirty="0"/>
+          </a:p>
+        </p:txBody>
+      </p:sp>
       <p:pic>
         <p:nvPicPr>
-          <p:cNvPr id="4" name="圖片 3"/>
+          <p:cNvPr id="5" name="圖片 4"/>
           <p:cNvPicPr>
             <a:picLocks noChangeAspect="1"/>
           </p:cNvPicPr>
           <p:nvPr/>
         </p:nvPicPr>
         <p:blipFill>
-          <a:blip r:embed="rId3">
+          <a:blip r:embed="rId2">
             <a:extLst>
               <a:ext uri="{28A0092B-C50C-407E-A947-70E740481C1C}">
                 <a14:useLocalDpi xmlns:a14="http://schemas.microsoft.com/office/drawing/2010/main" val="0"/>
@@ -5139,8 +5106,8 @@
         </p:blipFill>
         <p:spPr>
           <a:xfrm>
-            <a:off x="1177636" y="304800"/>
-            <a:ext cx="10058400" cy="6286500"/>
+            <a:off x="1339670" y="1289154"/>
+            <a:ext cx="8704742" cy="5440464"/>
           </a:xfrm>
           <a:prstGeom prst="rect">
             <a:avLst/>
@@ -5180,7 +5147,7 @@
     </p:spTree>
     <p:extLst>
       <p:ext uri="{BB962C8B-B14F-4D97-AF65-F5344CB8AC3E}">
-        <p14:creationId xmlns:p14="http://schemas.microsoft.com/office/powerpoint/2010/main" val="1683543227"/>
+        <p14:creationId xmlns:p14="http://schemas.microsoft.com/office/powerpoint/2010/main" val="1760898969"/>
       </p:ext>
     </p:extLst>
   </p:cSld>
@@ -5260,12 +5227,35 @@
           </a:p>
           <a:p>
             <a:r>
+              <a:rPr kumimoji="1" lang="zh-TW" altLang="en-US" dirty="0" smtClean="0"/>
+              <a:t>依照顧客使用紀錄或類型，媒合理專</a:t>
+            </a:r>
+            <a:endParaRPr kumimoji="1" lang="en-US" altLang="zh-TW" dirty="0" smtClean="0"/>
+          </a:p>
+          <a:p>
+            <a:r>
               <a:rPr kumimoji="1" lang="zh-TW" altLang="en-US" dirty="0" smtClean="0">
                 <a:solidFill>
                   <a:srgbClr val="FF0000"/>
                 </a:solidFill>
               </a:rPr>
-              <a:t>依照顧客使用紀錄或類型，媒合理專</a:t>
+              <a:t>語音自動服務搜尋 （透過微軟</a:t>
+            </a:r>
+            <a:r>
+              <a:rPr kumimoji="1" lang="en-US" altLang="zh-TW" dirty="0" smtClean="0">
+                <a:solidFill>
+                  <a:srgbClr val="FF0000"/>
+                </a:solidFill>
+              </a:rPr>
+              <a:t>API</a:t>
+            </a:r>
+            <a:r>
+              <a:rPr kumimoji="1" lang="zh-TW" altLang="en-US" dirty="0" smtClean="0">
+                <a:solidFill>
+                  <a:srgbClr val="FF0000"/>
+                </a:solidFill>
+              </a:rPr>
+              <a:t>）</a:t>
             </a:r>
             <a:endParaRPr kumimoji="1" lang="en-US" altLang="zh-TW" dirty="0" smtClean="0">
               <a:solidFill>
@@ -5287,7 +5277,7 @@
     </p:spTree>
     <p:extLst>
       <p:ext uri="{BB962C8B-B14F-4D97-AF65-F5344CB8AC3E}">
-        <p14:creationId xmlns:p14="http://schemas.microsoft.com/office/powerpoint/2010/main" val="1760898969"/>
+        <p14:creationId xmlns:p14="http://schemas.microsoft.com/office/powerpoint/2010/main" val="1430086233"/>
       </p:ext>
     </p:extLst>
   </p:cSld>
@@ -5321,70 +5311,108 @@
           <a:chExt cx="0" cy="0"/>
         </a:xfrm>
       </p:grpSpPr>
-      <p:pic>
-        <p:nvPicPr>
-          <p:cNvPr id="4" name="圖片 3"/>
-          <p:cNvPicPr>
-            <a:picLocks noChangeAspect="1"/>
-          </p:cNvPicPr>
-          <p:nvPr/>
-        </p:nvPicPr>
-        <p:blipFill>
-          <a:blip r:embed="rId2">
-            <a:extLst>
-              <a:ext uri="{28A0092B-C50C-407E-A947-70E740481C1C}">
-                <a14:useLocalDpi xmlns:a14="http://schemas.microsoft.com/office/drawing/2010/main" val="0"/>
-              </a:ext>
-            </a:extLst>
-          </a:blip>
-          <a:stretch>
-            <a:fillRect/>
-          </a:stretch>
-        </p:blipFill>
-        <p:spPr>
-          <a:xfrm>
-            <a:off x="1025236" y="263236"/>
-            <a:ext cx="10058400" cy="6286500"/>
-          </a:xfrm>
-          <a:prstGeom prst="rect">
-            <a:avLst/>
-          </a:prstGeom>
-          <a:solidFill>
-            <a:srgbClr val="FFFFFF">
-              <a:shade val="85000"/>
-            </a:srgbClr>
-          </a:solidFill>
-          <a:ln w="88900" cap="sq">
-            <a:solidFill>
-              <a:srgbClr val="FFFFFF"/>
-            </a:solidFill>
-            <a:miter lim="800000"/>
-          </a:ln>
-          <a:effectLst>
-            <a:outerShdw blurRad="55000" dist="18000" dir="5400000" algn="tl" rotWithShape="0">
-              <a:srgbClr val="000000">
-                <a:alpha val="40000"/>
-              </a:srgbClr>
-            </a:outerShdw>
-          </a:effectLst>
-          <a:scene3d>
-            <a:camera prst="orthographicFront"/>
-            <a:lightRig rig="twoPt" dir="t">
-              <a:rot lat="0" lon="0" rev="7200000"/>
-            </a:lightRig>
-          </a:scene3d>
-          <a:sp3d>
-            <a:bevelT w="25400" h="19050"/>
-            <a:contourClr>
-              <a:srgbClr val="FFFFFF"/>
-            </a:contourClr>
-          </a:sp3d>
-        </p:spPr>
-      </p:pic>
+      <p:sp>
+        <p:nvSpPr>
+          <p:cNvPr id="2" name="標題 1"/>
+          <p:cNvSpPr>
+            <a:spLocks noGrp="1"/>
+          </p:cNvSpPr>
+          <p:nvPr>
+            <p:ph type="title"/>
+          </p:nvPr>
+        </p:nvSpPr>
+        <p:spPr/>
+        <p:txBody>
+          <a:bodyPr/>
+          <a:lstStyle/>
+          <a:p>
+            <a:r>
+              <a:rPr kumimoji="1" lang="zh-TW" altLang="en-US" dirty="0" smtClean="0"/>
+              <a:t>功能與特色</a:t>
+            </a:r>
+            <a:endParaRPr kumimoji="1" lang="zh-TW" altLang="en-US" dirty="0"/>
+          </a:p>
+        </p:txBody>
+      </p:sp>
+      <p:sp>
+        <p:nvSpPr>
+          <p:cNvPr id="3" name="內容版面配置區 2"/>
+          <p:cNvSpPr>
+            <a:spLocks noGrp="1"/>
+          </p:cNvSpPr>
+          <p:nvPr>
+            <p:ph idx="1"/>
+          </p:nvPr>
+        </p:nvSpPr>
+        <p:spPr/>
+        <p:txBody>
+          <a:bodyPr>
+            <a:normAutofit/>
+          </a:bodyPr>
+          <a:lstStyle/>
+          <a:p>
+            <a:r>
+              <a:rPr kumimoji="1" lang="zh-TW" altLang="en-US" dirty="0"/>
+              <a:t>依照顧客使用紀錄或類型，快速整合並給予金融商品推薦</a:t>
+            </a:r>
+            <a:endParaRPr kumimoji="1" lang="en-US" altLang="zh-TW" dirty="0"/>
+          </a:p>
+          <a:p>
+            <a:r>
+              <a:rPr kumimoji="1" lang="zh-TW" altLang="en-US" dirty="0" smtClean="0"/>
+              <a:t>依照顧客使用紀錄或類型，媒合理專</a:t>
+            </a:r>
+            <a:endParaRPr kumimoji="1" lang="en-US" altLang="zh-TW" dirty="0" smtClean="0"/>
+          </a:p>
+          <a:p>
+            <a:r>
+              <a:rPr kumimoji="1" lang="zh-TW" altLang="en-US" dirty="0" smtClean="0"/>
+              <a:t>語音自動服務搜尋</a:t>
+            </a:r>
+            <a:r>
+              <a:rPr kumimoji="1" lang="zh-TW" altLang="en-US" dirty="0"/>
+              <a:t>（透過微軟</a:t>
+            </a:r>
+            <a:r>
+              <a:rPr kumimoji="1" lang="en-US" altLang="zh-TW" dirty="0"/>
+              <a:t>API</a:t>
+            </a:r>
+            <a:r>
+              <a:rPr kumimoji="1" lang="zh-TW" altLang="en-US" dirty="0" smtClean="0"/>
+              <a:t>）</a:t>
+            </a:r>
+            <a:endParaRPr kumimoji="1" lang="en-US" altLang="zh-TW" dirty="0" smtClean="0"/>
+          </a:p>
+          <a:p>
+            <a:r>
+              <a:rPr kumimoji="1" lang="zh-TW" altLang="en-US" dirty="0" smtClean="0">
+                <a:solidFill>
+                  <a:srgbClr val="FF0000"/>
+                </a:solidFill>
+              </a:rPr>
+              <a:t>快速瀏覽近期金融大事件</a:t>
+            </a:r>
+            <a:endParaRPr kumimoji="1" lang="en-US" altLang="zh-TW" dirty="0" smtClean="0">
+              <a:solidFill>
+                <a:srgbClr val="FF0000"/>
+              </a:solidFill>
+            </a:endParaRPr>
+          </a:p>
+          <a:p>
+            <a:endParaRPr kumimoji="1" lang="en-US" altLang="zh-TW" dirty="0" smtClean="0"/>
+          </a:p>
+          <a:p>
+            <a:endParaRPr kumimoji="1" lang="en-US" altLang="zh-TW" dirty="0" smtClean="0"/>
+          </a:p>
+          <a:p>
+            <a:endParaRPr kumimoji="1" lang="zh-TW" altLang="en-US" dirty="0"/>
+          </a:p>
+        </p:txBody>
+      </p:sp>
     </p:spTree>
     <p:extLst>
       <p:ext uri="{BB962C8B-B14F-4D97-AF65-F5344CB8AC3E}">
-        <p14:creationId xmlns:p14="http://schemas.microsoft.com/office/powerpoint/2010/main" val="242147032"/>
+        <p14:creationId xmlns:p14="http://schemas.microsoft.com/office/powerpoint/2010/main" val="1219511223"/>
       </p:ext>
     </p:extLst>
   </p:cSld>
@@ -5471,28 +5499,38 @@
           </a:p>
           <a:p>
             <a:r>
+              <a:rPr kumimoji="1" lang="zh-TW" altLang="en-US" dirty="0" smtClean="0"/>
+              <a:t>語音自動服務搜尋</a:t>
+            </a:r>
+            <a:r>
+              <a:rPr kumimoji="1" lang="zh-TW" altLang="en-US" dirty="0"/>
+              <a:t>（透過微軟</a:t>
+            </a:r>
+            <a:r>
+              <a:rPr kumimoji="1" lang="en-US" altLang="zh-TW" dirty="0"/>
+              <a:t>API</a:t>
+            </a:r>
+            <a:r>
+              <a:rPr kumimoji="1" lang="zh-TW" altLang="en-US" dirty="0" smtClean="0"/>
+              <a:t>）</a:t>
+            </a:r>
+            <a:endParaRPr kumimoji="1" lang="en-US" altLang="zh-TW" dirty="0" smtClean="0"/>
+          </a:p>
+          <a:p>
+            <a:r>
+              <a:rPr kumimoji="1" lang="zh-TW" altLang="en-US" dirty="0" smtClean="0"/>
+              <a:t>快速瀏覽近期金融大事件</a:t>
+            </a:r>
+            <a:endParaRPr kumimoji="1" lang="en-US" altLang="zh-TW" dirty="0" smtClean="0"/>
+          </a:p>
+          <a:p>
+            <a:r>
               <a:rPr kumimoji="1" lang="zh-TW" altLang="en-US" dirty="0" smtClean="0">
                 <a:solidFill>
                   <a:srgbClr val="FF0000"/>
                 </a:solidFill>
               </a:rPr>
-              <a:t>語音自動服務搜尋 （透過微軟</a:t>
-            </a:r>
-            <a:r>
-              <a:rPr kumimoji="1" lang="en-US" altLang="zh-TW" dirty="0" smtClean="0">
-                <a:solidFill>
-                  <a:srgbClr val="FF0000"/>
-                </a:solidFill>
-              </a:rPr>
-              <a:t>API</a:t>
-            </a:r>
-            <a:r>
-              <a:rPr kumimoji="1" lang="zh-TW" altLang="en-US" dirty="0" smtClean="0">
-                <a:solidFill>
-                  <a:srgbClr val="FF0000"/>
-                </a:solidFill>
-              </a:rPr>
-              <a:t>）</a:t>
+              <a:t>個人金融帳戶與理財紀錄管理</a:t>
             </a:r>
             <a:endParaRPr kumimoji="1" lang="en-US" altLang="zh-TW" dirty="0" smtClean="0">
               <a:solidFill>
@@ -5514,7 +5552,7 @@
     </p:spTree>
     <p:extLst>
       <p:ext uri="{BB962C8B-B14F-4D97-AF65-F5344CB8AC3E}">
-        <p14:creationId xmlns:p14="http://schemas.microsoft.com/office/powerpoint/2010/main" val="1430086233"/>
+        <p14:creationId xmlns:p14="http://schemas.microsoft.com/office/powerpoint/2010/main" val="1033451039"/>
       </p:ext>
     </p:extLst>
   </p:cSld>
@@ -5548,70 +5586,123 @@
           <a:chExt cx="0" cy="0"/>
         </a:xfrm>
       </p:grpSpPr>
-      <p:pic>
-        <p:nvPicPr>
-          <p:cNvPr id="4" name="圖片 3"/>
-          <p:cNvPicPr>
-            <a:picLocks noChangeAspect="1"/>
-          </p:cNvPicPr>
-          <p:nvPr/>
-        </p:nvPicPr>
-        <p:blipFill>
-          <a:blip r:embed="rId2">
-            <a:extLst>
-              <a:ext uri="{28A0092B-C50C-407E-A947-70E740481C1C}">
-                <a14:useLocalDpi xmlns:a14="http://schemas.microsoft.com/office/drawing/2010/main" val="0"/>
-              </a:ext>
-            </a:extLst>
-          </a:blip>
-          <a:stretch>
-            <a:fillRect/>
-          </a:stretch>
-        </p:blipFill>
-        <p:spPr>
-          <a:xfrm>
-            <a:off x="1083129" y="310244"/>
-            <a:ext cx="10058400" cy="6286500"/>
-          </a:xfrm>
-          <a:prstGeom prst="rect">
-            <a:avLst/>
-          </a:prstGeom>
-          <a:solidFill>
-            <a:srgbClr val="FFFFFF">
-              <a:shade val="85000"/>
-            </a:srgbClr>
-          </a:solidFill>
-          <a:ln w="88900" cap="sq">
-            <a:solidFill>
-              <a:srgbClr val="FFFFFF"/>
-            </a:solidFill>
-            <a:miter lim="800000"/>
-          </a:ln>
-          <a:effectLst>
-            <a:outerShdw blurRad="55000" dist="18000" dir="5400000" algn="tl" rotWithShape="0">
-              <a:srgbClr val="000000">
-                <a:alpha val="40000"/>
-              </a:srgbClr>
-            </a:outerShdw>
-          </a:effectLst>
-          <a:scene3d>
-            <a:camera prst="orthographicFront"/>
-            <a:lightRig rig="twoPt" dir="t">
-              <a:rot lat="0" lon="0" rev="7200000"/>
-            </a:lightRig>
-          </a:scene3d>
-          <a:sp3d>
-            <a:bevelT w="25400" h="19050"/>
-            <a:contourClr>
-              <a:srgbClr val="FFFFFF"/>
-            </a:contourClr>
-          </a:sp3d>
-        </p:spPr>
-      </p:pic>
+      <p:sp>
+        <p:nvSpPr>
+          <p:cNvPr id="2" name="標題 1"/>
+          <p:cNvSpPr>
+            <a:spLocks noGrp="1"/>
+          </p:cNvSpPr>
+          <p:nvPr>
+            <p:ph type="title"/>
+          </p:nvPr>
+        </p:nvSpPr>
+        <p:spPr/>
+        <p:txBody>
+          <a:bodyPr/>
+          <a:lstStyle/>
+          <a:p>
+            <a:r>
+              <a:rPr kumimoji="1" lang="zh-TW" altLang="en-US" dirty="0" smtClean="0"/>
+              <a:t>功能與特色</a:t>
+            </a:r>
+            <a:endParaRPr kumimoji="1" lang="zh-TW" altLang="en-US" dirty="0"/>
+          </a:p>
+        </p:txBody>
+      </p:sp>
+      <p:sp>
+        <p:nvSpPr>
+          <p:cNvPr id="3" name="內容版面配置區 2"/>
+          <p:cNvSpPr>
+            <a:spLocks noGrp="1"/>
+          </p:cNvSpPr>
+          <p:nvPr>
+            <p:ph idx="1"/>
+          </p:nvPr>
+        </p:nvSpPr>
+        <p:spPr/>
+        <p:txBody>
+          <a:bodyPr/>
+          <a:lstStyle/>
+          <a:p>
+            <a:r>
+              <a:rPr kumimoji="1" lang="zh-TW" altLang="en-US" dirty="0"/>
+              <a:t>依照顧客使用紀錄或類型，快速整合並給予金融商品推薦</a:t>
+            </a:r>
+            <a:endParaRPr kumimoji="1" lang="en-US" altLang="zh-TW" dirty="0"/>
+          </a:p>
+          <a:p>
+            <a:r>
+              <a:rPr kumimoji="1" lang="zh-TW" altLang="en-US" dirty="0" smtClean="0"/>
+              <a:t>依照顧客使用紀錄或類型，媒合理專</a:t>
+            </a:r>
+            <a:endParaRPr kumimoji="1" lang="en-US" altLang="zh-TW" dirty="0" smtClean="0"/>
+          </a:p>
+          <a:p>
+            <a:r>
+              <a:rPr kumimoji="1" lang="zh-TW" altLang="en-US" dirty="0" smtClean="0"/>
+              <a:t>語音自動服務搜尋</a:t>
+            </a:r>
+            <a:r>
+              <a:rPr kumimoji="1" lang="zh-TW" altLang="en-US" dirty="0"/>
+              <a:t>（透過微軟</a:t>
+            </a:r>
+            <a:r>
+              <a:rPr kumimoji="1" lang="en-US" altLang="zh-TW" dirty="0"/>
+              <a:t>API</a:t>
+            </a:r>
+            <a:r>
+              <a:rPr kumimoji="1" lang="zh-TW" altLang="en-US" dirty="0" smtClean="0"/>
+              <a:t>）</a:t>
+            </a:r>
+            <a:endParaRPr kumimoji="1" lang="en-US" altLang="zh-TW" dirty="0" smtClean="0"/>
+          </a:p>
+          <a:p>
+            <a:r>
+              <a:rPr kumimoji="1" lang="zh-TW" altLang="en-US" dirty="0" smtClean="0"/>
+              <a:t>快速瀏覽近期金融大事件</a:t>
+            </a:r>
+            <a:endParaRPr kumimoji="1" lang="en-US" altLang="zh-TW" dirty="0" smtClean="0"/>
+          </a:p>
+          <a:p>
+            <a:r>
+              <a:rPr kumimoji="1" lang="zh-TW" altLang="en-US" dirty="0" smtClean="0"/>
+              <a:t>個人金融帳戶與理財紀錄管理</a:t>
+            </a:r>
+            <a:endParaRPr kumimoji="1" lang="en-US" altLang="zh-TW" dirty="0" smtClean="0"/>
+          </a:p>
+          <a:p>
+            <a:r>
+              <a:rPr kumimoji="1" lang="zh-TW" altLang="en-US" dirty="0">
+                <a:solidFill>
+                  <a:srgbClr val="FF0000"/>
+                </a:solidFill>
+              </a:rPr>
+              <a:t>自動優化推薦與媒合系統</a:t>
+            </a:r>
+            <a:endParaRPr kumimoji="1" lang="en-US" altLang="zh-TW" dirty="0">
+              <a:solidFill>
+                <a:srgbClr val="FF0000"/>
+              </a:solidFill>
+            </a:endParaRPr>
+          </a:p>
+          <a:p>
+            <a:endParaRPr kumimoji="1" lang="en-US" altLang="zh-TW" dirty="0" smtClean="0"/>
+          </a:p>
+          <a:p>
+            <a:endParaRPr kumimoji="1" lang="en-US" altLang="zh-TW" dirty="0" smtClean="0"/>
+          </a:p>
+          <a:p>
+            <a:endParaRPr kumimoji="1" lang="en-US" altLang="zh-TW" dirty="0" smtClean="0"/>
+          </a:p>
+          <a:p>
+            <a:endParaRPr kumimoji="1" lang="zh-TW" altLang="en-US" dirty="0"/>
+          </a:p>
+        </p:txBody>
+      </p:sp>
     </p:spTree>
     <p:extLst>
       <p:ext uri="{BB962C8B-B14F-4D97-AF65-F5344CB8AC3E}">
-        <p14:creationId xmlns:p14="http://schemas.microsoft.com/office/powerpoint/2010/main" val="581637015"/>
+        <p14:creationId xmlns:p14="http://schemas.microsoft.com/office/powerpoint/2010/main" val="860738325"/>
       </p:ext>
     </p:extLst>
   </p:cSld>
@@ -5661,8 +5752,8 @@
           <a:lstStyle/>
           <a:p>
             <a:r>
-              <a:rPr kumimoji="1" lang="zh-TW" altLang="en-US" dirty="0" smtClean="0"/>
-              <a:t>功能與特色</a:t>
+              <a:rPr kumimoji="1" lang="en-US" altLang="zh-TW" dirty="0" smtClean="0"/>
+              <a:t>Agenda</a:t>
             </a:r>
             <a:endParaRPr kumimoji="1" lang="zh-TW" altLang="en-US" dirty="0"/>
           </a:p>
@@ -5686,67 +5777,66 @@
           <a:lstStyle/>
           <a:p>
             <a:r>
-              <a:rPr kumimoji="1" lang="zh-TW" altLang="en-US" dirty="0"/>
-              <a:t>依照顧客使用紀錄或類型，快速整合並給予金融商品推薦</a:t>
-            </a:r>
-            <a:endParaRPr kumimoji="1" lang="en-US" altLang="zh-TW" dirty="0"/>
-          </a:p>
-          <a:p>
-            <a:r>
-              <a:rPr kumimoji="1" lang="zh-TW" altLang="en-US" dirty="0" smtClean="0"/>
-              <a:t>依照顧客使用紀錄或類型，媒合理專</a:t>
-            </a:r>
-            <a:endParaRPr kumimoji="1" lang="en-US" altLang="zh-TW" dirty="0" smtClean="0"/>
-          </a:p>
-          <a:p>
-            <a:r>
-              <a:rPr kumimoji="1" lang="zh-TW" altLang="en-US" dirty="0" smtClean="0"/>
-              <a:t>語音自動服務搜尋</a:t>
-            </a:r>
-            <a:r>
-              <a:rPr kumimoji="1" lang="zh-TW" altLang="en-US" dirty="0"/>
-              <a:t>（透過微軟</a:t>
-            </a:r>
-            <a:r>
-              <a:rPr kumimoji="1" lang="en-US" altLang="zh-TW" dirty="0"/>
-              <a:t>API</a:t>
-            </a:r>
-            <a:r>
-              <a:rPr kumimoji="1" lang="zh-TW" altLang="en-US" dirty="0" smtClean="0"/>
-              <a:t>）</a:t>
-            </a:r>
-            <a:endParaRPr kumimoji="1" lang="en-US" altLang="zh-TW" dirty="0" smtClean="0"/>
-          </a:p>
-          <a:p>
-            <a:r>
-              <a:rPr kumimoji="1" lang="zh-TW" altLang="en-US" dirty="0" smtClean="0">
+              <a:rPr kumimoji="1" lang="zh-TW" altLang="en-US" sz="3000" dirty="0" smtClean="0"/>
+              <a:t>動機</a:t>
+            </a:r>
+            <a:endParaRPr kumimoji="1" lang="en-US" altLang="zh-TW" sz="3000" dirty="0" smtClean="0"/>
+          </a:p>
+          <a:p>
+            <a:r>
+              <a:rPr kumimoji="1" lang="en-US" altLang="zh-TW" sz="3000" dirty="0" smtClean="0"/>
+              <a:t>FM</a:t>
+            </a:r>
+            <a:r>
+              <a:rPr kumimoji="1" lang="zh-TW" altLang="en-US" sz="3000" dirty="0" smtClean="0"/>
+              <a:t> </a:t>
+            </a:r>
+            <a:r>
+              <a:rPr kumimoji="1" lang="en-US" altLang="zh-TW" sz="3000" dirty="0" smtClean="0"/>
+              <a:t>11.2</a:t>
+            </a:r>
+          </a:p>
+          <a:p>
+            <a:r>
+              <a:rPr kumimoji="1" lang="zh-TW" altLang="en-US" sz="3000" dirty="0" smtClean="0"/>
+              <a:t>功能與特色</a:t>
+            </a:r>
+            <a:endParaRPr kumimoji="1" lang="en-US" altLang="zh-TW" sz="3000" dirty="0" smtClean="0"/>
+          </a:p>
+          <a:p>
+            <a:r>
+              <a:rPr kumimoji="1" lang="zh-TW" altLang="en-US" sz="3000" u="sng" dirty="0" smtClean="0">
                 <a:solidFill>
                   <a:srgbClr val="FF0000"/>
                 </a:solidFill>
               </a:rPr>
-              <a:t>快速瀏覽近期金融大事件</a:t>
-            </a:r>
-            <a:endParaRPr kumimoji="1" lang="en-US" altLang="zh-TW" dirty="0" smtClean="0">
+              <a:t>技術</a:t>
+            </a:r>
+            <a:endParaRPr kumimoji="1" lang="en-US" altLang="zh-TW" sz="3000" u="sng" dirty="0" smtClean="0">
               <a:solidFill>
                 <a:srgbClr val="FF0000"/>
               </a:solidFill>
             </a:endParaRPr>
           </a:p>
           <a:p>
-            <a:endParaRPr kumimoji="1" lang="en-US" altLang="zh-TW" dirty="0" smtClean="0"/>
-          </a:p>
-          <a:p>
-            <a:endParaRPr kumimoji="1" lang="en-US" altLang="zh-TW" dirty="0" smtClean="0"/>
-          </a:p>
-          <a:p>
-            <a:endParaRPr kumimoji="1" lang="zh-TW" altLang="en-US" dirty="0"/>
+            <a:r>
+              <a:rPr kumimoji="1" lang="en-US" altLang="zh-TW" sz="3000" dirty="0" smtClean="0"/>
+              <a:t>Demo</a:t>
+            </a:r>
+          </a:p>
+          <a:p>
+            <a:r>
+              <a:rPr kumimoji="1" lang="zh-TW" altLang="en-US" sz="3000" dirty="0" smtClean="0"/>
+              <a:t>未來展望</a:t>
+            </a:r>
+            <a:endParaRPr kumimoji="1" lang="en-US" altLang="zh-TW" sz="3000" dirty="0" smtClean="0"/>
           </a:p>
         </p:txBody>
       </p:sp>
     </p:spTree>
     <p:extLst>
       <p:ext uri="{BB962C8B-B14F-4D97-AF65-F5344CB8AC3E}">
-        <p14:creationId xmlns:p14="http://schemas.microsoft.com/office/powerpoint/2010/main" val="1219511223"/>
+        <p14:creationId xmlns:p14="http://schemas.microsoft.com/office/powerpoint/2010/main" val="2062620866"/>
       </p:ext>
     </p:extLst>
   </p:cSld>
@@ -5780,859 +5870,12 @@
           <a:chExt cx="0" cy="0"/>
         </a:xfrm>
       </p:grpSpPr>
-      <p:pic>
-        <p:nvPicPr>
-          <p:cNvPr id="4" name="內容版面配置區 3"/>
-          <p:cNvPicPr>
-            <a:picLocks noGrp="1" noChangeAspect="1"/>
-          </p:cNvPicPr>
-          <p:nvPr>
-            <p:ph idx="1"/>
-          </p:nvPr>
-        </p:nvPicPr>
-        <p:blipFill>
-          <a:blip r:embed="rId2">
-            <a:extLst>
-              <a:ext uri="{28A0092B-C50C-407E-A947-70E740481C1C}">
-                <a14:useLocalDpi xmlns:a14="http://schemas.microsoft.com/office/drawing/2010/main" val="0"/>
-              </a:ext>
-            </a:extLst>
-          </a:blip>
-          <a:stretch>
-            <a:fillRect/>
-          </a:stretch>
-        </p:blipFill>
-        <p:spPr>
-          <a:xfrm>
-            <a:off x="915033" y="244929"/>
-            <a:ext cx="10162901" cy="6351814"/>
-          </a:xfrm>
-          <a:prstGeom prst="rect">
-            <a:avLst/>
-          </a:prstGeom>
-          <a:solidFill>
-            <a:srgbClr val="FFFFFF">
-              <a:shade val="85000"/>
-            </a:srgbClr>
-          </a:solidFill>
-          <a:ln w="88900" cap="sq">
-            <a:solidFill>
-              <a:srgbClr val="FFFFFF"/>
-            </a:solidFill>
-            <a:miter lim="800000"/>
-          </a:ln>
-          <a:effectLst>
-            <a:outerShdw blurRad="55000" dist="18000" dir="5400000" algn="tl" rotWithShape="0">
-              <a:srgbClr val="000000">
-                <a:alpha val="40000"/>
-              </a:srgbClr>
-            </a:outerShdw>
-          </a:effectLst>
-          <a:scene3d>
-            <a:camera prst="orthographicFront"/>
-            <a:lightRig rig="twoPt" dir="t">
-              <a:rot lat="0" lon="0" rev="7200000"/>
-            </a:lightRig>
-          </a:scene3d>
-          <a:sp3d>
-            <a:bevelT w="25400" h="19050"/>
-            <a:contourClr>
-              <a:srgbClr val="FFFFFF"/>
-            </a:contourClr>
-          </a:sp3d>
-        </p:spPr>
-      </p:pic>
-    </p:spTree>
-    <p:extLst>
-      <p:ext uri="{BB962C8B-B14F-4D97-AF65-F5344CB8AC3E}">
-        <p14:creationId xmlns:p14="http://schemas.microsoft.com/office/powerpoint/2010/main" val="104724085"/>
-      </p:ext>
-    </p:extLst>
-  </p:cSld>
-  <p:clrMapOvr>
-    <a:masterClrMapping/>
-  </p:clrMapOvr>
-  <p:timing>
-    <p:tnLst>
-      <p:par>
-        <p:cTn id="1" dur="indefinite" restart="never" nodeType="tmRoot"/>
-      </p:par>
-    </p:tnLst>
-  </p:timing>
-</p:sld>
-</file>
-
-<file path=ppt/slides/slide17.xml><?xml version="1.0" encoding="utf-8"?>
-<p:sld xmlns:a="http://schemas.openxmlformats.org/drawingml/2006/main" xmlns:r="http://schemas.openxmlformats.org/officeDocument/2006/relationships" xmlns:p="http://schemas.openxmlformats.org/presentationml/2006/main">
-  <p:cSld>
-    <p:spTree>
-      <p:nvGrpSpPr>
-        <p:cNvPr id="1" name=""/>
-        <p:cNvGrpSpPr/>
-        <p:nvPr/>
-      </p:nvGrpSpPr>
-      <p:grpSpPr>
-        <a:xfrm>
-          <a:off x="0" y="0"/>
-          <a:ext cx="0" cy="0"/>
-          <a:chOff x="0" y="0"/>
-          <a:chExt cx="0" cy="0"/>
-        </a:xfrm>
-      </p:grpSpPr>
-      <p:sp>
-        <p:nvSpPr>
-          <p:cNvPr id="2" name="標題 1"/>
-          <p:cNvSpPr>
-            <a:spLocks noGrp="1"/>
-          </p:cNvSpPr>
-          <p:nvPr>
-            <p:ph type="title"/>
-          </p:nvPr>
-        </p:nvSpPr>
-        <p:spPr/>
-        <p:txBody>
-          <a:bodyPr/>
-          <a:lstStyle/>
-          <a:p>
-            <a:r>
-              <a:rPr kumimoji="1" lang="zh-TW" altLang="en-US" dirty="0" smtClean="0"/>
-              <a:t>功能與特色</a:t>
-            </a:r>
-            <a:endParaRPr kumimoji="1" lang="zh-TW" altLang="en-US" dirty="0"/>
-          </a:p>
-        </p:txBody>
-      </p:sp>
-      <p:sp>
-        <p:nvSpPr>
-          <p:cNvPr id="3" name="內容版面配置區 2"/>
-          <p:cNvSpPr>
-            <a:spLocks noGrp="1"/>
-          </p:cNvSpPr>
-          <p:nvPr>
-            <p:ph idx="1"/>
-          </p:nvPr>
-        </p:nvSpPr>
-        <p:spPr/>
-        <p:txBody>
-          <a:bodyPr/>
-          <a:lstStyle/>
-          <a:p>
-            <a:r>
-              <a:rPr kumimoji="1" lang="zh-TW" altLang="en-US" dirty="0"/>
-              <a:t>依照顧客使用紀錄或類型，快速整合並給予金融商品推薦</a:t>
-            </a:r>
-            <a:endParaRPr kumimoji="1" lang="en-US" altLang="zh-TW" dirty="0"/>
-          </a:p>
-          <a:p>
-            <a:r>
-              <a:rPr kumimoji="1" lang="zh-TW" altLang="en-US" dirty="0" smtClean="0"/>
-              <a:t>依照顧客使用紀錄或類型，媒合理專</a:t>
-            </a:r>
-            <a:endParaRPr kumimoji="1" lang="en-US" altLang="zh-TW" dirty="0" smtClean="0"/>
-          </a:p>
-          <a:p>
-            <a:r>
-              <a:rPr kumimoji="1" lang="zh-TW" altLang="en-US" dirty="0" smtClean="0"/>
-              <a:t>語音自動服務搜尋</a:t>
-            </a:r>
-            <a:r>
-              <a:rPr kumimoji="1" lang="zh-TW" altLang="en-US" dirty="0"/>
-              <a:t>（透過微軟</a:t>
-            </a:r>
-            <a:r>
-              <a:rPr kumimoji="1" lang="en-US" altLang="zh-TW" dirty="0"/>
-              <a:t>API</a:t>
-            </a:r>
-            <a:r>
-              <a:rPr kumimoji="1" lang="zh-TW" altLang="en-US" dirty="0" smtClean="0"/>
-              <a:t>）</a:t>
-            </a:r>
-            <a:endParaRPr kumimoji="1" lang="en-US" altLang="zh-TW" dirty="0" smtClean="0"/>
-          </a:p>
-          <a:p>
-            <a:r>
-              <a:rPr kumimoji="1" lang="zh-TW" altLang="en-US" dirty="0" smtClean="0"/>
-              <a:t>快速瀏覽近期金融大事件</a:t>
-            </a:r>
-            <a:endParaRPr kumimoji="1" lang="en-US" altLang="zh-TW" dirty="0" smtClean="0"/>
-          </a:p>
-          <a:p>
-            <a:r>
-              <a:rPr kumimoji="1" lang="zh-TW" altLang="en-US" dirty="0" smtClean="0">
-                <a:solidFill>
-                  <a:srgbClr val="FF0000"/>
-                </a:solidFill>
-              </a:rPr>
-              <a:t>個人金融帳戶與理財紀錄管理</a:t>
-            </a:r>
-            <a:endParaRPr kumimoji="1" lang="en-US" altLang="zh-TW" dirty="0" smtClean="0">
-              <a:solidFill>
-                <a:srgbClr val="FF0000"/>
-              </a:solidFill>
-            </a:endParaRPr>
-          </a:p>
-          <a:p>
-            <a:endParaRPr kumimoji="1" lang="en-US" altLang="zh-TW" dirty="0" smtClean="0"/>
-          </a:p>
-          <a:p>
-            <a:endParaRPr kumimoji="1" lang="en-US" altLang="zh-TW" dirty="0" smtClean="0"/>
-          </a:p>
-          <a:p>
-            <a:endParaRPr kumimoji="1" lang="zh-TW" altLang="en-US" dirty="0"/>
-          </a:p>
-        </p:txBody>
-      </p:sp>
-    </p:spTree>
-    <p:extLst>
-      <p:ext uri="{BB962C8B-B14F-4D97-AF65-F5344CB8AC3E}">
-        <p14:creationId xmlns:p14="http://schemas.microsoft.com/office/powerpoint/2010/main" val="1033451039"/>
-      </p:ext>
-    </p:extLst>
-  </p:cSld>
-  <p:clrMapOvr>
-    <a:masterClrMapping/>
-  </p:clrMapOvr>
-  <p:timing>
-    <p:tnLst>
-      <p:par>
-        <p:cTn id="1" dur="indefinite" restart="never" nodeType="tmRoot"/>
-      </p:par>
-    </p:tnLst>
-  </p:timing>
-</p:sld>
-</file>
-
-<file path=ppt/slides/slide18.xml><?xml version="1.0" encoding="utf-8"?>
-<p:sld xmlns:a="http://schemas.openxmlformats.org/drawingml/2006/main" xmlns:r="http://schemas.openxmlformats.org/officeDocument/2006/relationships" xmlns:p="http://schemas.openxmlformats.org/presentationml/2006/main">
-  <p:cSld>
-    <p:spTree>
-      <p:nvGrpSpPr>
-        <p:cNvPr id="1" name=""/>
-        <p:cNvGrpSpPr/>
-        <p:nvPr/>
-      </p:nvGrpSpPr>
-      <p:grpSpPr>
-        <a:xfrm>
-          <a:off x="0" y="0"/>
-          <a:ext cx="0" cy="0"/>
-          <a:chOff x="0" y="0"/>
-          <a:chExt cx="0" cy="0"/>
-        </a:xfrm>
-      </p:grpSpPr>
-      <p:pic>
-        <p:nvPicPr>
-          <p:cNvPr id="4" name="內容版面配置區 3"/>
-          <p:cNvPicPr>
-            <a:picLocks noGrp="1" noChangeAspect="1"/>
-          </p:cNvPicPr>
-          <p:nvPr>
-            <p:ph idx="1"/>
-          </p:nvPr>
-        </p:nvPicPr>
-        <p:blipFill>
-          <a:blip r:embed="rId2">
-            <a:extLst>
-              <a:ext uri="{28A0092B-C50C-407E-A947-70E740481C1C}">
-                <a14:useLocalDpi xmlns:a14="http://schemas.microsoft.com/office/drawing/2010/main" val="0"/>
-              </a:ext>
-            </a:extLst>
-          </a:blip>
-          <a:stretch>
-            <a:fillRect/>
-          </a:stretch>
-        </p:blipFill>
-        <p:spPr>
-          <a:xfrm>
-            <a:off x="1013006" y="220832"/>
-            <a:ext cx="10123080" cy="6326925"/>
-          </a:xfrm>
-          <a:prstGeom prst="rect">
-            <a:avLst/>
-          </a:prstGeom>
-          <a:solidFill>
-            <a:srgbClr val="FFFFFF">
-              <a:shade val="85000"/>
-            </a:srgbClr>
-          </a:solidFill>
-          <a:ln w="88900" cap="sq">
-            <a:solidFill>
-              <a:srgbClr val="FFFFFF"/>
-            </a:solidFill>
-            <a:miter lim="800000"/>
-          </a:ln>
-          <a:effectLst>
-            <a:outerShdw blurRad="55000" dist="18000" dir="5400000" algn="tl" rotWithShape="0">
-              <a:srgbClr val="000000">
-                <a:alpha val="40000"/>
-              </a:srgbClr>
-            </a:outerShdw>
-          </a:effectLst>
-          <a:scene3d>
-            <a:camera prst="orthographicFront"/>
-            <a:lightRig rig="twoPt" dir="t">
-              <a:rot lat="0" lon="0" rev="7200000"/>
-            </a:lightRig>
-          </a:scene3d>
-          <a:sp3d>
-            <a:bevelT w="25400" h="19050"/>
-            <a:contourClr>
-              <a:srgbClr val="FFFFFF"/>
-            </a:contourClr>
-          </a:sp3d>
-        </p:spPr>
-      </p:pic>
-    </p:spTree>
-    <p:extLst>
-      <p:ext uri="{BB962C8B-B14F-4D97-AF65-F5344CB8AC3E}">
-        <p14:creationId xmlns:p14="http://schemas.microsoft.com/office/powerpoint/2010/main" val="979182083"/>
-      </p:ext>
-    </p:extLst>
-  </p:cSld>
-  <p:clrMapOvr>
-    <a:masterClrMapping/>
-  </p:clrMapOvr>
-  <p:timing>
-    <p:tnLst>
-      <p:par>
-        <p:cTn id="1" dur="indefinite" restart="never" nodeType="tmRoot"/>
-      </p:par>
-    </p:tnLst>
-  </p:timing>
-</p:sld>
-</file>
-
-<file path=ppt/slides/slide19.xml><?xml version="1.0" encoding="utf-8"?>
-<p:sld xmlns:a="http://schemas.openxmlformats.org/drawingml/2006/main" xmlns:r="http://schemas.openxmlformats.org/officeDocument/2006/relationships" xmlns:p="http://schemas.openxmlformats.org/presentationml/2006/main">
-  <p:cSld>
-    <p:spTree>
-      <p:nvGrpSpPr>
-        <p:cNvPr id="1" name=""/>
-        <p:cNvGrpSpPr/>
-        <p:nvPr/>
-      </p:nvGrpSpPr>
-      <p:grpSpPr>
-        <a:xfrm>
-          <a:off x="0" y="0"/>
-          <a:ext cx="0" cy="0"/>
-          <a:chOff x="0" y="0"/>
-          <a:chExt cx="0" cy="0"/>
-        </a:xfrm>
-      </p:grpSpPr>
-      <p:pic>
-        <p:nvPicPr>
-          <p:cNvPr id="4" name="內容版面配置區 3"/>
-          <p:cNvPicPr>
-            <a:picLocks noGrp="1" noChangeAspect="1"/>
-          </p:cNvPicPr>
-          <p:nvPr>
-            <p:ph idx="1"/>
-          </p:nvPr>
-        </p:nvPicPr>
-        <p:blipFill>
-          <a:blip r:embed="rId2">
-            <a:extLst>
-              <a:ext uri="{28A0092B-C50C-407E-A947-70E740481C1C}">
-                <a14:useLocalDpi xmlns:a14="http://schemas.microsoft.com/office/drawing/2010/main" val="0"/>
-              </a:ext>
-            </a:extLst>
-          </a:blip>
-          <a:stretch>
-            <a:fillRect/>
-          </a:stretch>
-        </p:blipFill>
-        <p:spPr>
-          <a:xfrm>
-            <a:off x="1127306" y="244929"/>
-            <a:ext cx="10032275" cy="6270171"/>
-          </a:xfrm>
-          <a:prstGeom prst="rect">
-            <a:avLst/>
-          </a:prstGeom>
-          <a:solidFill>
-            <a:srgbClr val="FFFFFF">
-              <a:shade val="85000"/>
-            </a:srgbClr>
-          </a:solidFill>
-          <a:ln w="88900" cap="sq">
-            <a:solidFill>
-              <a:srgbClr val="FFFFFF"/>
-            </a:solidFill>
-            <a:miter lim="800000"/>
-          </a:ln>
-          <a:effectLst>
-            <a:outerShdw blurRad="55000" dist="18000" dir="5400000" algn="tl" rotWithShape="0">
-              <a:srgbClr val="000000">
-                <a:alpha val="40000"/>
-              </a:srgbClr>
-            </a:outerShdw>
-          </a:effectLst>
-          <a:scene3d>
-            <a:camera prst="orthographicFront"/>
-            <a:lightRig rig="twoPt" dir="t">
-              <a:rot lat="0" lon="0" rev="7200000"/>
-            </a:lightRig>
-          </a:scene3d>
-          <a:sp3d>
-            <a:bevelT w="25400" h="19050"/>
-            <a:contourClr>
-              <a:srgbClr val="FFFFFF"/>
-            </a:contourClr>
-          </a:sp3d>
-        </p:spPr>
-      </p:pic>
-    </p:spTree>
-    <p:extLst>
-      <p:ext uri="{BB962C8B-B14F-4D97-AF65-F5344CB8AC3E}">
-        <p14:creationId xmlns:p14="http://schemas.microsoft.com/office/powerpoint/2010/main" val="696945305"/>
-      </p:ext>
-    </p:extLst>
-  </p:cSld>
-  <p:clrMapOvr>
-    <a:masterClrMapping/>
-  </p:clrMapOvr>
-  <p:timing>
-    <p:tnLst>
-      <p:par>
-        <p:cTn id="1" dur="indefinite" restart="never" nodeType="tmRoot"/>
-      </p:par>
-    </p:tnLst>
-  </p:timing>
-</p:sld>
-</file>
-
-<file path=ppt/slides/slide2.xml><?xml version="1.0" encoding="utf-8"?>
-<p:sld xmlns:a="http://schemas.openxmlformats.org/drawingml/2006/main" xmlns:r="http://schemas.openxmlformats.org/officeDocument/2006/relationships" xmlns:p="http://schemas.openxmlformats.org/presentationml/2006/main">
-  <p:cSld>
-    <p:spTree>
-      <p:nvGrpSpPr>
-        <p:cNvPr id="1" name=""/>
-        <p:cNvGrpSpPr/>
-        <p:nvPr/>
-      </p:nvGrpSpPr>
-      <p:grpSpPr>
-        <a:xfrm>
-          <a:off x="0" y="0"/>
-          <a:ext cx="0" cy="0"/>
-          <a:chOff x="0" y="0"/>
-          <a:chExt cx="0" cy="0"/>
-        </a:xfrm>
-      </p:grpSpPr>
-      <p:sp>
-        <p:nvSpPr>
-          <p:cNvPr id="2" name="標題 1"/>
-          <p:cNvSpPr>
-            <a:spLocks noGrp="1"/>
-          </p:cNvSpPr>
-          <p:nvPr>
-            <p:ph type="title"/>
-          </p:nvPr>
-        </p:nvSpPr>
-        <p:spPr/>
-        <p:txBody>
-          <a:bodyPr/>
-          <a:lstStyle/>
-          <a:p>
-            <a:r>
-              <a:rPr kumimoji="1" lang="en-US" altLang="zh-TW" dirty="0" smtClean="0"/>
-              <a:t>Agenda</a:t>
-            </a:r>
-            <a:endParaRPr kumimoji="1" lang="zh-TW" altLang="en-US" dirty="0"/>
-          </a:p>
-        </p:txBody>
-      </p:sp>
-      <p:sp>
-        <p:nvSpPr>
-          <p:cNvPr id="3" name="內容版面配置區 2"/>
-          <p:cNvSpPr>
-            <a:spLocks noGrp="1"/>
-          </p:cNvSpPr>
-          <p:nvPr>
-            <p:ph idx="1"/>
-          </p:nvPr>
-        </p:nvSpPr>
-        <p:spPr/>
-        <p:txBody>
-          <a:bodyPr>
-            <a:normAutofit/>
-          </a:bodyPr>
-          <a:lstStyle/>
-          <a:p>
-            <a:r>
-              <a:rPr kumimoji="1" lang="zh-TW" altLang="en-US" sz="3000" dirty="0" smtClean="0"/>
-              <a:t>動機</a:t>
-            </a:r>
-            <a:endParaRPr kumimoji="1" lang="en-US" altLang="zh-TW" sz="3000" dirty="0" smtClean="0"/>
-          </a:p>
-          <a:p>
-            <a:r>
-              <a:rPr kumimoji="1" lang="en-US" altLang="zh-TW" sz="3000" dirty="0" smtClean="0"/>
-              <a:t>FM</a:t>
-            </a:r>
-            <a:r>
-              <a:rPr kumimoji="1" lang="zh-TW" altLang="en-US" sz="3000" dirty="0" smtClean="0"/>
-              <a:t> </a:t>
-            </a:r>
-            <a:r>
-              <a:rPr kumimoji="1" lang="en-US" altLang="zh-TW" sz="3000" dirty="0" smtClean="0"/>
-              <a:t>11.2</a:t>
-            </a:r>
-          </a:p>
-          <a:p>
-            <a:r>
-              <a:rPr kumimoji="1" lang="zh-TW" altLang="en-US" sz="3000" dirty="0" smtClean="0"/>
-              <a:t>功能與特色</a:t>
-            </a:r>
-            <a:endParaRPr kumimoji="1" lang="en-US" altLang="zh-TW" sz="3000" dirty="0" smtClean="0"/>
-          </a:p>
-          <a:p>
-            <a:r>
-              <a:rPr kumimoji="1" lang="zh-TW" altLang="en-US" sz="3000" dirty="0" smtClean="0"/>
-              <a:t>技術</a:t>
-            </a:r>
-            <a:endParaRPr kumimoji="1" lang="en-US" altLang="zh-TW" sz="3000" dirty="0" smtClean="0"/>
-          </a:p>
-          <a:p>
-            <a:r>
-              <a:rPr kumimoji="1" lang="en-US" altLang="zh-TW" sz="3000" dirty="0" smtClean="0"/>
-              <a:t>Demo</a:t>
-            </a:r>
-          </a:p>
-          <a:p>
-            <a:r>
-              <a:rPr kumimoji="1" lang="zh-TW" altLang="en-US" sz="3000" dirty="0" smtClean="0"/>
-              <a:t>未來展望</a:t>
-            </a:r>
-            <a:endParaRPr kumimoji="1" lang="en-US" altLang="zh-TW" sz="3000" dirty="0" smtClean="0"/>
-          </a:p>
-        </p:txBody>
-      </p:sp>
-    </p:spTree>
-    <p:extLst>
-      <p:ext uri="{BB962C8B-B14F-4D97-AF65-F5344CB8AC3E}">
-        <p14:creationId xmlns:p14="http://schemas.microsoft.com/office/powerpoint/2010/main" val="872136005"/>
-      </p:ext>
-    </p:extLst>
-  </p:cSld>
-  <p:clrMapOvr>
-    <a:masterClrMapping/>
-  </p:clrMapOvr>
-  <p:timing>
-    <p:tnLst>
-      <p:par>
-        <p:cTn id="1" dur="indefinite" restart="never" nodeType="tmRoot"/>
-      </p:par>
-    </p:tnLst>
-  </p:timing>
-</p:sld>
-</file>
-
-<file path=ppt/slides/slide20.xml><?xml version="1.0" encoding="utf-8"?>
-<p:sld xmlns:a="http://schemas.openxmlformats.org/drawingml/2006/main" xmlns:r="http://schemas.openxmlformats.org/officeDocument/2006/relationships" xmlns:p="http://schemas.openxmlformats.org/presentationml/2006/main">
-  <p:cSld>
-    <p:spTree>
-      <p:nvGrpSpPr>
-        <p:cNvPr id="1" name=""/>
-        <p:cNvGrpSpPr/>
-        <p:nvPr/>
-      </p:nvGrpSpPr>
-      <p:grpSpPr>
-        <a:xfrm>
-          <a:off x="0" y="0"/>
-          <a:ext cx="0" cy="0"/>
-          <a:chOff x="0" y="0"/>
-          <a:chExt cx="0" cy="0"/>
-        </a:xfrm>
-      </p:grpSpPr>
-      <p:sp>
-        <p:nvSpPr>
-          <p:cNvPr id="2" name="標題 1"/>
-          <p:cNvSpPr>
-            <a:spLocks noGrp="1"/>
-          </p:cNvSpPr>
-          <p:nvPr>
-            <p:ph type="title"/>
-          </p:nvPr>
-        </p:nvSpPr>
-        <p:spPr/>
-        <p:txBody>
-          <a:bodyPr/>
-          <a:lstStyle/>
-          <a:p>
-            <a:r>
-              <a:rPr kumimoji="1" lang="zh-TW" altLang="en-US" dirty="0" smtClean="0"/>
-              <a:t>功能與特色</a:t>
-            </a:r>
-            <a:endParaRPr kumimoji="1" lang="zh-TW" altLang="en-US" dirty="0"/>
-          </a:p>
-        </p:txBody>
-      </p:sp>
-      <p:sp>
-        <p:nvSpPr>
-          <p:cNvPr id="3" name="內容版面配置區 2"/>
-          <p:cNvSpPr>
-            <a:spLocks noGrp="1"/>
-          </p:cNvSpPr>
-          <p:nvPr>
-            <p:ph idx="1"/>
-          </p:nvPr>
-        </p:nvSpPr>
-        <p:spPr/>
-        <p:txBody>
-          <a:bodyPr/>
-          <a:lstStyle/>
-          <a:p>
-            <a:r>
-              <a:rPr kumimoji="1" lang="zh-TW" altLang="en-US" dirty="0"/>
-              <a:t>依照顧客使用紀錄或類型，快速整合並給予金融商品推薦</a:t>
-            </a:r>
-            <a:endParaRPr kumimoji="1" lang="en-US" altLang="zh-TW" dirty="0"/>
-          </a:p>
-          <a:p>
-            <a:r>
-              <a:rPr kumimoji="1" lang="zh-TW" altLang="en-US" dirty="0" smtClean="0"/>
-              <a:t>依照顧客使用紀錄或類型，媒合理專</a:t>
-            </a:r>
-            <a:endParaRPr kumimoji="1" lang="en-US" altLang="zh-TW" dirty="0" smtClean="0"/>
-          </a:p>
-          <a:p>
-            <a:r>
-              <a:rPr kumimoji="1" lang="zh-TW" altLang="en-US" dirty="0" smtClean="0"/>
-              <a:t>語音自動服務搜尋</a:t>
-            </a:r>
-            <a:r>
-              <a:rPr kumimoji="1" lang="zh-TW" altLang="en-US" dirty="0"/>
-              <a:t>（透過微軟</a:t>
-            </a:r>
-            <a:r>
-              <a:rPr kumimoji="1" lang="en-US" altLang="zh-TW" dirty="0"/>
-              <a:t>API</a:t>
-            </a:r>
-            <a:r>
-              <a:rPr kumimoji="1" lang="zh-TW" altLang="en-US" dirty="0" smtClean="0"/>
-              <a:t>）</a:t>
-            </a:r>
-            <a:endParaRPr kumimoji="1" lang="en-US" altLang="zh-TW" dirty="0" smtClean="0"/>
-          </a:p>
-          <a:p>
-            <a:r>
-              <a:rPr kumimoji="1" lang="zh-TW" altLang="en-US" dirty="0" smtClean="0"/>
-              <a:t>快速瀏覽近期金融大事件</a:t>
-            </a:r>
-            <a:endParaRPr kumimoji="1" lang="en-US" altLang="zh-TW" dirty="0" smtClean="0"/>
-          </a:p>
-          <a:p>
-            <a:r>
-              <a:rPr kumimoji="1" lang="zh-TW" altLang="en-US" dirty="0" smtClean="0"/>
-              <a:t>個人金融帳戶與理財紀錄管理</a:t>
-            </a:r>
-            <a:endParaRPr kumimoji="1" lang="en-US" altLang="zh-TW" dirty="0" smtClean="0"/>
-          </a:p>
-          <a:p>
-            <a:r>
-              <a:rPr kumimoji="1" lang="zh-TW" altLang="en-US" dirty="0">
-                <a:solidFill>
-                  <a:srgbClr val="FF0000"/>
-                </a:solidFill>
-              </a:rPr>
-              <a:t>自動優化推薦與媒合系統</a:t>
-            </a:r>
-            <a:endParaRPr kumimoji="1" lang="en-US" altLang="zh-TW" dirty="0">
-              <a:solidFill>
-                <a:srgbClr val="FF0000"/>
-              </a:solidFill>
-            </a:endParaRPr>
-          </a:p>
-          <a:p>
-            <a:endParaRPr kumimoji="1" lang="en-US" altLang="zh-TW" dirty="0" smtClean="0"/>
-          </a:p>
-          <a:p>
-            <a:endParaRPr kumimoji="1" lang="en-US" altLang="zh-TW" dirty="0" smtClean="0"/>
-          </a:p>
-          <a:p>
-            <a:endParaRPr kumimoji="1" lang="en-US" altLang="zh-TW" dirty="0" smtClean="0"/>
-          </a:p>
-          <a:p>
-            <a:endParaRPr kumimoji="1" lang="zh-TW" altLang="en-US" dirty="0"/>
-          </a:p>
-        </p:txBody>
-      </p:sp>
-    </p:spTree>
-    <p:extLst>
-      <p:ext uri="{BB962C8B-B14F-4D97-AF65-F5344CB8AC3E}">
-        <p14:creationId xmlns:p14="http://schemas.microsoft.com/office/powerpoint/2010/main" val="860738325"/>
-      </p:ext>
-    </p:extLst>
-  </p:cSld>
-  <p:clrMapOvr>
-    <a:masterClrMapping/>
-  </p:clrMapOvr>
-  <p:timing>
-    <p:tnLst>
-      <p:par>
-        <p:cTn id="1" dur="indefinite" restart="never" nodeType="tmRoot"/>
-      </p:par>
-    </p:tnLst>
-  </p:timing>
-</p:sld>
-</file>
-
-<file path=ppt/slides/slide21.xml><?xml version="1.0" encoding="utf-8"?>
-<p:sld xmlns:a="http://schemas.openxmlformats.org/drawingml/2006/main" xmlns:r="http://schemas.openxmlformats.org/officeDocument/2006/relationships" xmlns:p="http://schemas.openxmlformats.org/presentationml/2006/main">
-  <p:cSld>
-    <p:spTree>
-      <p:nvGrpSpPr>
-        <p:cNvPr id="1" name=""/>
-        <p:cNvGrpSpPr/>
-        <p:nvPr/>
-      </p:nvGrpSpPr>
-      <p:grpSpPr>
-        <a:xfrm>
-          <a:off x="0" y="0"/>
-          <a:ext cx="0" cy="0"/>
-          <a:chOff x="0" y="0"/>
-          <a:chExt cx="0" cy="0"/>
-        </a:xfrm>
-      </p:grpSpPr>
-      <p:sp>
-        <p:nvSpPr>
-          <p:cNvPr id="2" name="標題 1"/>
-          <p:cNvSpPr>
-            <a:spLocks noGrp="1"/>
-          </p:cNvSpPr>
-          <p:nvPr>
-            <p:ph type="title"/>
-          </p:nvPr>
-        </p:nvSpPr>
-        <p:spPr/>
-        <p:txBody>
-          <a:bodyPr/>
-          <a:lstStyle/>
-          <a:p>
-            <a:r>
-              <a:rPr kumimoji="1" lang="en-US" altLang="zh-TW" dirty="0" smtClean="0"/>
-              <a:t>Agenda</a:t>
-            </a:r>
-            <a:endParaRPr kumimoji="1" lang="zh-TW" altLang="en-US" dirty="0"/>
-          </a:p>
-        </p:txBody>
-      </p:sp>
-      <p:sp>
-        <p:nvSpPr>
-          <p:cNvPr id="3" name="內容版面配置區 2"/>
-          <p:cNvSpPr>
-            <a:spLocks noGrp="1"/>
-          </p:cNvSpPr>
-          <p:nvPr>
-            <p:ph idx="1"/>
-          </p:nvPr>
-        </p:nvSpPr>
-        <p:spPr/>
-        <p:txBody>
-          <a:bodyPr>
-            <a:normAutofit/>
-          </a:bodyPr>
-          <a:lstStyle/>
-          <a:p>
-            <a:r>
-              <a:rPr kumimoji="1" lang="zh-TW" altLang="en-US" sz="3000" dirty="0" smtClean="0"/>
-              <a:t>動機</a:t>
-            </a:r>
-            <a:endParaRPr kumimoji="1" lang="en-US" altLang="zh-TW" sz="3000" dirty="0" smtClean="0"/>
-          </a:p>
-          <a:p>
-            <a:r>
-              <a:rPr kumimoji="1" lang="en-US" altLang="zh-TW" sz="3000" dirty="0" smtClean="0"/>
-              <a:t>FM</a:t>
-            </a:r>
-            <a:r>
-              <a:rPr kumimoji="1" lang="zh-TW" altLang="en-US" sz="3000" dirty="0" smtClean="0"/>
-              <a:t> </a:t>
-            </a:r>
-            <a:r>
-              <a:rPr kumimoji="1" lang="en-US" altLang="zh-TW" sz="3000" dirty="0" smtClean="0"/>
-              <a:t>11.2</a:t>
-            </a:r>
-          </a:p>
-          <a:p>
-            <a:r>
-              <a:rPr kumimoji="1" lang="zh-TW" altLang="en-US" sz="3000" dirty="0" smtClean="0"/>
-              <a:t>功能與特色</a:t>
-            </a:r>
-            <a:endParaRPr kumimoji="1" lang="en-US" altLang="zh-TW" sz="3000" dirty="0" smtClean="0"/>
-          </a:p>
-          <a:p>
-            <a:r>
-              <a:rPr kumimoji="1" lang="zh-TW" altLang="en-US" sz="3000" u="sng" dirty="0" smtClean="0">
-                <a:solidFill>
-                  <a:srgbClr val="FF0000"/>
-                </a:solidFill>
-              </a:rPr>
-              <a:t>技術</a:t>
-            </a:r>
-            <a:endParaRPr kumimoji="1" lang="en-US" altLang="zh-TW" sz="3000" u="sng" dirty="0" smtClean="0">
-              <a:solidFill>
-                <a:srgbClr val="FF0000"/>
-              </a:solidFill>
-            </a:endParaRPr>
-          </a:p>
-          <a:p>
-            <a:r>
-              <a:rPr kumimoji="1" lang="en-US" altLang="zh-TW" sz="3000" dirty="0" smtClean="0"/>
-              <a:t>Demo</a:t>
-            </a:r>
-          </a:p>
-          <a:p>
-            <a:r>
-              <a:rPr kumimoji="1" lang="zh-TW" altLang="en-US" sz="3000" dirty="0" smtClean="0"/>
-              <a:t>未來展望</a:t>
-            </a:r>
-            <a:endParaRPr kumimoji="1" lang="en-US" altLang="zh-TW" sz="3000" dirty="0" smtClean="0"/>
-          </a:p>
-        </p:txBody>
-      </p:sp>
-    </p:spTree>
-    <p:extLst>
-      <p:ext uri="{BB962C8B-B14F-4D97-AF65-F5344CB8AC3E}">
-        <p14:creationId xmlns:p14="http://schemas.microsoft.com/office/powerpoint/2010/main" val="2062620866"/>
-      </p:ext>
-    </p:extLst>
-  </p:cSld>
-  <p:clrMapOvr>
-    <a:masterClrMapping/>
-  </p:clrMapOvr>
-  <p:timing>
-    <p:tnLst>
-      <p:par>
-        <p:cTn id="1" dur="indefinite" restart="never" nodeType="tmRoot"/>
-      </p:par>
-    </p:tnLst>
-  </p:timing>
-</p:sld>
-</file>
-
-<file path=ppt/slides/slide22.xml><?xml version="1.0" encoding="utf-8"?>
-<p:sld xmlns:a="http://schemas.openxmlformats.org/drawingml/2006/main" xmlns:r="http://schemas.openxmlformats.org/officeDocument/2006/relationships" xmlns:p="http://schemas.openxmlformats.org/presentationml/2006/main">
-  <p:cSld>
-    <p:spTree>
-      <p:nvGrpSpPr>
-        <p:cNvPr id="1" name=""/>
-        <p:cNvGrpSpPr/>
-        <p:nvPr/>
-      </p:nvGrpSpPr>
-      <p:grpSpPr>
-        <a:xfrm>
-          <a:off x="0" y="0"/>
-          <a:ext cx="0" cy="0"/>
-          <a:chOff x="0" y="0"/>
-          <a:chExt cx="0" cy="0"/>
-        </a:xfrm>
-      </p:grpSpPr>
       <p:sp>
         <p:nvSpPr>
           <p:cNvPr id="2" name="標題 1">
             <a:extLst>
               <a:ext uri="{FF2B5EF4-FFF2-40B4-BE49-F238E27FC236}">
-                <a16:creationId xmlns:a16="http://schemas.microsoft.com/office/drawing/2014/main" xmlns="" id="{456DC295-7DDE-476A-878E-2A9DF4694D35}"/>
+                <a16:creationId xmlns="" xmlns:a16="http://schemas.microsoft.com/office/drawing/2014/main" id="{456DC295-7DDE-476A-878E-2A9DF4694D35}"/>
               </a:ext>
             </a:extLst>
           </p:cNvPr>
@@ -6661,7 +5904,7 @@
           <p:cNvPr id="3" name="內容版面配置區 2">
             <a:extLst>
               <a:ext uri="{FF2B5EF4-FFF2-40B4-BE49-F238E27FC236}">
-                <a16:creationId xmlns:a16="http://schemas.microsoft.com/office/drawing/2014/main" xmlns="" id="{6D05F4A4-E787-4DEF-BBA5-10EBC199FD1A}"/>
+                <a16:creationId xmlns="" xmlns:a16="http://schemas.microsoft.com/office/drawing/2014/main" id="{6D05F4A4-E787-4DEF-BBA5-10EBC199FD1A}"/>
               </a:ext>
             </a:extLst>
           </p:cNvPr>
@@ -6773,40 +6016,60 @@
           <a:p>
             <a:pPr lvl="1"/>
             <a:r>
-              <a:rPr lang="zh-TW" altLang="en-US" dirty="0"/>
-              <a:t>每個用戶</a:t>
+              <a:rPr lang="en-US" altLang="zh-TW" dirty="0" smtClean="0"/>
+              <a:t>Maintain</a:t>
+            </a:r>
+            <a:r>
+              <a:rPr lang="zh-TW" altLang="en-US" dirty="0" smtClean="0"/>
+              <a:t>用戶</a:t>
+            </a:r>
+            <a:r>
+              <a:rPr lang="zh-TW" altLang="en-US" dirty="0" smtClean="0"/>
+              <a:t>偏好</a:t>
+            </a:r>
+            <a:r>
+              <a:rPr lang="en-US" altLang="zh-TW" dirty="0" smtClean="0"/>
+              <a:t>mode</a:t>
             </a:r>
             <a:r>
               <a:rPr lang="en-US" altLang="zh-TW" dirty="0"/>
-              <a:t>maintain</a:t>
-            </a:r>
-            <a:r>
-              <a:rPr lang="zh-TW" altLang="en-US" dirty="0"/>
-              <a:t>對各商品群的喜好分數</a:t>
+              <a:t>l</a:t>
             </a:r>
             <a:endParaRPr lang="en-US" altLang="zh-TW" dirty="0"/>
           </a:p>
           <a:p>
             <a:pPr lvl="1"/>
             <a:r>
-              <a:rPr lang="zh-TW" altLang="en-US" dirty="0"/>
-              <a:t>每個用戶群組</a:t>
-            </a:r>
-            <a:r>
-              <a:rPr lang="en-US" altLang="zh-TW" dirty="0"/>
-              <a:t>maintain</a:t>
-            </a:r>
-            <a:r>
-              <a:rPr lang="zh-TW" altLang="en-US" dirty="0"/>
-              <a:t>對各商品群的喜好分數</a:t>
+              <a:rPr lang="en-US" altLang="zh-TW" dirty="0" smtClean="0"/>
+              <a:t>Maintain</a:t>
+            </a:r>
+            <a:r>
+              <a:rPr lang="zh-TW" altLang="en-US" dirty="0" smtClean="0"/>
+              <a:t>群組偏好</a:t>
+            </a:r>
+            <a:r>
+              <a:rPr lang="en-US" altLang="zh-TW" dirty="0" smtClean="0"/>
+              <a:t>model</a:t>
             </a:r>
             <a:endParaRPr lang="en-US" altLang="zh-TW" dirty="0"/>
           </a:p>
           <a:p>
             <a:pPr lvl="1"/>
             <a:r>
-              <a:rPr lang="zh-TW" altLang="en-US" dirty="0"/>
-              <a:t>推薦列表會是個人及群組的分數整合</a:t>
+              <a:rPr lang="zh-TW" altLang="en-US" dirty="0" smtClean="0"/>
+              <a:t>整合用戶及群組</a:t>
+            </a:r>
+            <a:r>
+              <a:rPr lang="en-US" altLang="zh-TW" dirty="0" smtClean="0"/>
+              <a:t>models</a:t>
+            </a:r>
+            <a:r>
+              <a:rPr lang="zh-TW" altLang="en-US" dirty="0" smtClean="0"/>
+              <a:t>進行</a:t>
+            </a:r>
+            <a:r>
+              <a:rPr lang="zh-TW" altLang="en-US" dirty="0" smtClean="0"/>
+              <a:t>推薦</a:t>
             </a:r>
             <a:endParaRPr lang="en-US" altLang="zh-TW" dirty="0"/>
           </a:p>
@@ -6820,8 +6083,24 @@
           <a:p>
             <a:pPr lvl="1"/>
             <a:r>
+              <a:rPr lang="zh-TW" altLang="en-US" dirty="0" smtClean="0"/>
+              <a:t>以用戶</a:t>
+            </a:r>
+            <a:r>
               <a:rPr lang="zh-TW" altLang="en-US" dirty="0"/>
-              <a:t>用戶的喜好點擊會對各商品群組增加喜好分數</a:t>
+              <a:t>的喜好點</a:t>
+            </a:r>
+            <a:r>
+              <a:rPr lang="zh-TW" altLang="en-US" dirty="0" smtClean="0"/>
+              <a:t>擊</a:t>
+            </a:r>
+            <a:r>
+              <a:rPr lang="zh-TW" altLang="en-US" dirty="0" smtClean="0"/>
+              <a:t>來</a:t>
+            </a:r>
+            <a:r>
+              <a:rPr lang="en-US" altLang="zh-TW" dirty="0" smtClean="0"/>
+              <a:t>refine model</a:t>
             </a:r>
             <a:endParaRPr lang="en-US" altLang="zh-TW" dirty="0"/>
           </a:p>
@@ -7160,7 +6439,7 @@
 </p:sld>
 </file>
 
-<file path=ppt/slides/slide23.xml><?xml version="1.0" encoding="utf-8"?>
+<file path=ppt/slides/slide17.xml><?xml version="1.0" encoding="utf-8"?>
 <p:sld xmlns:a="http://schemas.openxmlformats.org/drawingml/2006/main" xmlns:r="http://schemas.openxmlformats.org/officeDocument/2006/relationships" xmlns:p="http://schemas.openxmlformats.org/presentationml/2006/main">
   <p:cSld>
     <p:spTree>
@@ -7558,7 +6837,7 @@
 </p:sld>
 </file>
 
-<file path=ppt/slides/slide24.xml><?xml version="1.0" encoding="utf-8"?>
+<file path=ppt/slides/slide18.xml><?xml version="1.0" encoding="utf-8"?>
 <p:sld xmlns:a="http://schemas.openxmlformats.org/drawingml/2006/main" xmlns:r="http://schemas.openxmlformats.org/officeDocument/2006/relationships" xmlns:p="http://schemas.openxmlformats.org/presentationml/2006/main">
   <p:cSld>
     <p:spTree>
@@ -7935,7 +7214,7 @@
 </p:sld>
 </file>
 
-<file path=ppt/slides/slide25.xml><?xml version="1.0" encoding="utf-8"?>
+<file path=ppt/slides/slide19.xml><?xml version="1.0" encoding="utf-8"?>
 <p:sld xmlns:a="http://schemas.openxmlformats.org/drawingml/2006/main" xmlns:r="http://schemas.openxmlformats.org/officeDocument/2006/relationships" xmlns:p="http://schemas.openxmlformats.org/presentationml/2006/main">
   <p:cSld>
     <p:spTree>
@@ -7957,7 +7236,7 @@
           <p:cNvPr id="2" name="標題 1">
             <a:extLst>
               <a:ext uri="{FF2B5EF4-FFF2-40B4-BE49-F238E27FC236}">
-                <a16:creationId xmlns:a16="http://schemas.microsoft.com/office/drawing/2014/main" xmlns="" id="{BC9DCC5D-BE07-4B1E-A068-B2FF66CF8755}"/>
+                <a16:creationId xmlns="" xmlns:a16="http://schemas.microsoft.com/office/drawing/2014/main" id="{BC9DCC5D-BE07-4B1E-A068-B2FF66CF8755}"/>
               </a:ext>
             </a:extLst>
           </p:cNvPr>
@@ -7989,7 +7268,7 @@
           <p:cNvPr id="5" name="內容版面配置區 4">
             <a:extLst>
               <a:ext uri="{FF2B5EF4-FFF2-40B4-BE49-F238E27FC236}">
-                <a16:creationId xmlns:a16="http://schemas.microsoft.com/office/drawing/2014/main" xmlns="" id="{D1516C80-09DF-462E-9929-111FDBC7FE1F}"/>
+                <a16:creationId xmlns="" xmlns:a16="http://schemas.microsoft.com/office/drawing/2014/main" id="{D1516C80-09DF-462E-9929-111FDBC7FE1F}"/>
               </a:ext>
             </a:extLst>
           </p:cNvPr>
@@ -8024,7 +7303,7 @@
           <p:cNvPr id="6" name="文字方塊 5">
             <a:extLst>
               <a:ext uri="{FF2B5EF4-FFF2-40B4-BE49-F238E27FC236}">
-                <a16:creationId xmlns:a16="http://schemas.microsoft.com/office/drawing/2014/main" xmlns="" id="{AA264A79-E67F-4314-AB23-DDC1AAC6279E}"/>
+                <a16:creationId xmlns="" xmlns:a16="http://schemas.microsoft.com/office/drawing/2014/main" id="{AA264A79-E67F-4314-AB23-DDC1AAC6279E}"/>
               </a:ext>
             </a:extLst>
           </p:cNvPr>
@@ -8068,7 +7347,7 @@
           <p:cNvPr id="7" name="文字方塊 6">
             <a:extLst>
               <a:ext uri="{FF2B5EF4-FFF2-40B4-BE49-F238E27FC236}">
-                <a16:creationId xmlns:a16="http://schemas.microsoft.com/office/drawing/2014/main" xmlns="" id="{69C59CDA-9192-4040-A08A-C08D921C16B4}"/>
+                <a16:creationId xmlns="" xmlns:a16="http://schemas.microsoft.com/office/drawing/2014/main" id="{69C59CDA-9192-4040-A08A-C08D921C16B4}"/>
               </a:ext>
             </a:extLst>
           </p:cNvPr>
@@ -8112,7 +7391,7 @@
           <p:cNvPr id="8" name="文字方塊 7">
             <a:extLst>
               <a:ext uri="{FF2B5EF4-FFF2-40B4-BE49-F238E27FC236}">
-                <a16:creationId xmlns:a16="http://schemas.microsoft.com/office/drawing/2014/main" xmlns="" id="{F39BCB69-18AD-4197-9312-4E649D281929}"/>
+                <a16:creationId xmlns="" xmlns:a16="http://schemas.microsoft.com/office/drawing/2014/main" id="{F39BCB69-18AD-4197-9312-4E649D281929}"/>
               </a:ext>
             </a:extLst>
           </p:cNvPr>
@@ -8201,7 +7480,7 @@
 </p:sld>
 </file>
 
-<file path=ppt/slides/slide26.xml><?xml version="1.0" encoding="utf-8"?>
+<file path=ppt/slides/slide2.xml><?xml version="1.0" encoding="utf-8"?>
 <p:sld xmlns:a="http://schemas.openxmlformats.org/drawingml/2006/main" xmlns:r="http://schemas.openxmlformats.org/officeDocument/2006/relationships" xmlns:p="http://schemas.openxmlformats.org/presentationml/2006/main">
   <p:cSld>
     <p:spTree>
@@ -8220,10 +7499,136 @@
       </p:grpSpPr>
       <p:sp>
         <p:nvSpPr>
+          <p:cNvPr id="2" name="標題 1"/>
+          <p:cNvSpPr>
+            <a:spLocks noGrp="1"/>
+          </p:cNvSpPr>
+          <p:nvPr>
+            <p:ph type="title"/>
+          </p:nvPr>
+        </p:nvSpPr>
+        <p:spPr/>
+        <p:txBody>
+          <a:bodyPr/>
+          <a:lstStyle/>
+          <a:p>
+            <a:r>
+              <a:rPr kumimoji="1" lang="en-US" altLang="zh-TW" dirty="0" smtClean="0"/>
+              <a:t>Agenda</a:t>
+            </a:r>
+            <a:endParaRPr kumimoji="1" lang="zh-TW" altLang="en-US" dirty="0"/>
+          </a:p>
+        </p:txBody>
+      </p:sp>
+      <p:sp>
+        <p:nvSpPr>
+          <p:cNvPr id="3" name="內容版面配置區 2"/>
+          <p:cNvSpPr>
+            <a:spLocks noGrp="1"/>
+          </p:cNvSpPr>
+          <p:nvPr>
+            <p:ph idx="1"/>
+          </p:nvPr>
+        </p:nvSpPr>
+        <p:spPr/>
+        <p:txBody>
+          <a:bodyPr>
+            <a:normAutofit/>
+          </a:bodyPr>
+          <a:lstStyle/>
+          <a:p>
+            <a:r>
+              <a:rPr kumimoji="1" lang="zh-TW" altLang="en-US" sz="3000" dirty="0" smtClean="0"/>
+              <a:t>動機</a:t>
+            </a:r>
+            <a:endParaRPr kumimoji="1" lang="en-US" altLang="zh-TW" sz="3000" dirty="0" smtClean="0"/>
+          </a:p>
+          <a:p>
+            <a:r>
+              <a:rPr kumimoji="1" lang="en-US" altLang="zh-TW" sz="3000" dirty="0" smtClean="0"/>
+              <a:t>FM</a:t>
+            </a:r>
+            <a:r>
+              <a:rPr kumimoji="1" lang="zh-TW" altLang="en-US" sz="3000" dirty="0" smtClean="0"/>
+              <a:t> </a:t>
+            </a:r>
+            <a:r>
+              <a:rPr kumimoji="1" lang="en-US" altLang="zh-TW" sz="3000" dirty="0" smtClean="0"/>
+              <a:t>11.2</a:t>
+            </a:r>
+          </a:p>
+          <a:p>
+            <a:r>
+              <a:rPr kumimoji="1" lang="zh-TW" altLang="en-US" sz="3000" dirty="0" smtClean="0"/>
+              <a:t>功能與特色</a:t>
+            </a:r>
+            <a:endParaRPr kumimoji="1" lang="en-US" altLang="zh-TW" sz="3000" dirty="0" smtClean="0"/>
+          </a:p>
+          <a:p>
+            <a:r>
+              <a:rPr kumimoji="1" lang="zh-TW" altLang="en-US" sz="3000" dirty="0" smtClean="0"/>
+              <a:t>技術</a:t>
+            </a:r>
+            <a:endParaRPr kumimoji="1" lang="en-US" altLang="zh-TW" sz="3000" dirty="0" smtClean="0"/>
+          </a:p>
+          <a:p>
+            <a:r>
+              <a:rPr kumimoji="1" lang="en-US" altLang="zh-TW" sz="3000" dirty="0" smtClean="0"/>
+              <a:t>Demo</a:t>
+            </a:r>
+          </a:p>
+          <a:p>
+            <a:r>
+              <a:rPr kumimoji="1" lang="zh-TW" altLang="en-US" sz="3000" dirty="0" smtClean="0"/>
+              <a:t>未來展望</a:t>
+            </a:r>
+            <a:endParaRPr kumimoji="1" lang="en-US" altLang="zh-TW" sz="3000" dirty="0" smtClean="0"/>
+          </a:p>
+        </p:txBody>
+      </p:sp>
+    </p:spTree>
+    <p:extLst>
+      <p:ext uri="{BB962C8B-B14F-4D97-AF65-F5344CB8AC3E}">
+        <p14:creationId xmlns:p14="http://schemas.microsoft.com/office/powerpoint/2010/main" val="872136005"/>
+      </p:ext>
+    </p:extLst>
+  </p:cSld>
+  <p:clrMapOvr>
+    <a:masterClrMapping/>
+  </p:clrMapOvr>
+  <p:timing>
+    <p:tnLst>
+      <p:par>
+        <p:cTn id="1" dur="indefinite" restart="never" nodeType="tmRoot"/>
+      </p:par>
+    </p:tnLst>
+  </p:timing>
+</p:sld>
+</file>
+
+<file path=ppt/slides/slide20.xml><?xml version="1.0" encoding="utf-8"?>
+<p:sld xmlns:a="http://schemas.openxmlformats.org/drawingml/2006/main" xmlns:r="http://schemas.openxmlformats.org/officeDocument/2006/relationships" xmlns:p="http://schemas.openxmlformats.org/presentationml/2006/main">
+  <p:cSld>
+    <p:spTree>
+      <p:nvGrpSpPr>
+        <p:cNvPr id="1" name=""/>
+        <p:cNvGrpSpPr/>
+        <p:nvPr/>
+      </p:nvGrpSpPr>
+      <p:grpSpPr>
+        <a:xfrm>
+          <a:off x="0" y="0"/>
+          <a:ext cx="0" cy="0"/>
+          <a:chOff x="0" y="0"/>
+          <a:chExt cx="0" cy="0"/>
+        </a:xfrm>
+      </p:grpSpPr>
+      <p:sp>
+        <p:nvSpPr>
           <p:cNvPr id="2" name="標題 1">
             <a:extLst>
               <a:ext uri="{FF2B5EF4-FFF2-40B4-BE49-F238E27FC236}">
-                <a16:creationId xmlns:a16="http://schemas.microsoft.com/office/drawing/2014/main" xmlns="" id="{154E1A31-EB49-452E-A6D5-B109ED7FD1B0}"/>
+                <a16:creationId xmlns="" xmlns:a16="http://schemas.microsoft.com/office/drawing/2014/main" id="{154E1A31-EB49-452E-A6D5-B109ED7FD1B0}"/>
               </a:ext>
             </a:extLst>
           </p:cNvPr>
@@ -8265,7 +7670,7 @@
           <p:cNvPr id="3" name="內容版面配置區 2">
             <a:extLst>
               <a:ext uri="{FF2B5EF4-FFF2-40B4-BE49-F238E27FC236}">
-                <a16:creationId xmlns:a16="http://schemas.microsoft.com/office/drawing/2014/main" xmlns="" id="{C821761E-B002-42F3-815F-E7778E6FBE44}"/>
+                <a16:creationId xmlns="" xmlns:a16="http://schemas.microsoft.com/office/drawing/2014/main" id="{C821761E-B002-42F3-815F-E7778E6FBE44}"/>
               </a:ext>
             </a:extLst>
           </p:cNvPr>
@@ -8307,7 +7712,7 @@
           <p:cNvPr id="5" name="文字方塊 4">
             <a:extLst>
               <a:ext uri="{FF2B5EF4-FFF2-40B4-BE49-F238E27FC236}">
-                <a16:creationId xmlns:a16="http://schemas.microsoft.com/office/drawing/2014/main" xmlns="" id="{1BE5DF9C-7E3F-4480-A4FD-DD3E0079BDBC}"/>
+                <a16:creationId xmlns="" xmlns:a16="http://schemas.microsoft.com/office/drawing/2014/main" id="{1BE5DF9C-7E3F-4480-A4FD-DD3E0079BDBC}"/>
               </a:ext>
             </a:extLst>
           </p:cNvPr>
@@ -8362,7 +7767,7 @@
           <p:cNvPr id="6" name="文字方塊 5">
             <a:extLst>
               <a:ext uri="{FF2B5EF4-FFF2-40B4-BE49-F238E27FC236}">
-                <a16:creationId xmlns:a16="http://schemas.microsoft.com/office/drawing/2014/main" xmlns="" id="{B7D16BF2-293C-4DD9-8810-232EAAD6D00C}"/>
+                <a16:creationId xmlns="" xmlns:a16="http://schemas.microsoft.com/office/drawing/2014/main" id="{B7D16BF2-293C-4DD9-8810-232EAAD6D00C}"/>
               </a:ext>
             </a:extLst>
           </p:cNvPr>
@@ -8387,11 +7792,7 @@
           <a:p>
             <a:r>
               <a:rPr lang="zh-TW" altLang="en-US" sz="2400" dirty="0" smtClean="0"/>
-              <a:t>更新</a:t>
-            </a:r>
-            <a:r>
-              <a:rPr lang="zh-TW" altLang="en-US" sz="2400" dirty="0" smtClean="0"/>
-              <a:t>用戶喜好</a:t>
+              <a:t>更新用戶喜好</a:t>
             </a:r>
             <a:r>
               <a:rPr lang="zh-TW" altLang="en-US" sz="2400" dirty="0"/>
@@ -8405,7 +7806,7 @@
           <p:cNvPr id="7" name="表格 6">
             <a:extLst>
               <a:ext uri="{FF2B5EF4-FFF2-40B4-BE49-F238E27FC236}">
-                <a16:creationId xmlns:a16="http://schemas.microsoft.com/office/drawing/2014/main" xmlns="" id="{8DC1DD1B-E218-4BF7-80BD-BA5EDB123FA8}"/>
+                <a16:creationId xmlns="" xmlns:a16="http://schemas.microsoft.com/office/drawing/2014/main" id="{8DC1DD1B-E218-4BF7-80BD-BA5EDB123FA8}"/>
               </a:ext>
             </a:extLst>
           </p:cNvPr>
@@ -8434,42 +7835,42 @@
                 <a:gridCol w="818561">
                   <a:extLst>
                     <a:ext uri="{9D8B030D-6E8A-4147-A177-3AD203B41FA5}">
-                      <a16:colId xmlns:a16="http://schemas.microsoft.com/office/drawing/2014/main" xmlns="" val="2798379932"/>
+                      <a16:colId xmlns="" xmlns:a16="http://schemas.microsoft.com/office/drawing/2014/main" val="2798379932"/>
                     </a:ext>
                   </a:extLst>
                 </a:gridCol>
                 <a:gridCol w="818561">
                   <a:extLst>
                     <a:ext uri="{9D8B030D-6E8A-4147-A177-3AD203B41FA5}">
-                      <a16:colId xmlns:a16="http://schemas.microsoft.com/office/drawing/2014/main" xmlns="" val="834846771"/>
+                      <a16:colId xmlns="" xmlns:a16="http://schemas.microsoft.com/office/drawing/2014/main" val="834846771"/>
                     </a:ext>
                   </a:extLst>
                 </a:gridCol>
                 <a:gridCol w="818561">
                   <a:extLst>
                     <a:ext uri="{9D8B030D-6E8A-4147-A177-3AD203B41FA5}">
-                      <a16:colId xmlns:a16="http://schemas.microsoft.com/office/drawing/2014/main" xmlns="" val="227989653"/>
+                      <a16:colId xmlns="" xmlns:a16="http://schemas.microsoft.com/office/drawing/2014/main" val="227989653"/>
                     </a:ext>
                   </a:extLst>
                 </a:gridCol>
                 <a:gridCol w="818561">
                   <a:extLst>
                     <a:ext uri="{9D8B030D-6E8A-4147-A177-3AD203B41FA5}">
-                      <a16:colId xmlns:a16="http://schemas.microsoft.com/office/drawing/2014/main" xmlns="" val="458712345"/>
+                      <a16:colId xmlns="" xmlns:a16="http://schemas.microsoft.com/office/drawing/2014/main" val="458712345"/>
                     </a:ext>
                   </a:extLst>
                 </a:gridCol>
                 <a:gridCol w="818561">
                   <a:extLst>
                     <a:ext uri="{9D8B030D-6E8A-4147-A177-3AD203B41FA5}">
-                      <a16:colId xmlns:a16="http://schemas.microsoft.com/office/drawing/2014/main" xmlns="" val="4283817173"/>
+                      <a16:colId xmlns="" xmlns:a16="http://schemas.microsoft.com/office/drawing/2014/main" val="4283817173"/>
                     </a:ext>
                   </a:extLst>
                 </a:gridCol>
                 <a:gridCol w="818561">
                   <a:extLst>
                     <a:ext uri="{9D8B030D-6E8A-4147-A177-3AD203B41FA5}">
-                      <a16:colId xmlns:a16="http://schemas.microsoft.com/office/drawing/2014/main" xmlns="" val="2188137648"/>
+                      <a16:colId xmlns="" xmlns:a16="http://schemas.microsoft.com/office/drawing/2014/main" val="2188137648"/>
                     </a:ext>
                   </a:extLst>
                 </a:gridCol>
@@ -8561,7 +7962,7 @@
                 </a:tc>
                 <a:extLst>
                   <a:ext uri="{0D108BD9-81ED-4DB2-BD59-A6C34878D82A}">
-                    <a16:rowId xmlns:a16="http://schemas.microsoft.com/office/drawing/2014/main" xmlns="" val="4247566177"/>
+                    <a16:rowId xmlns="" xmlns:a16="http://schemas.microsoft.com/office/drawing/2014/main" val="4247566177"/>
                   </a:ext>
                 </a:extLst>
               </a:tr>
@@ -8652,7 +8053,7 @@
                 </a:tc>
                 <a:extLst>
                   <a:ext uri="{0D108BD9-81ED-4DB2-BD59-A6C34878D82A}">
-                    <a16:rowId xmlns:a16="http://schemas.microsoft.com/office/drawing/2014/main" xmlns="" val="2196172543"/>
+                    <a16:rowId xmlns="" xmlns:a16="http://schemas.microsoft.com/office/drawing/2014/main" val="2196172543"/>
                   </a:ext>
                 </a:extLst>
               </a:tr>
@@ -8665,7 +8066,7 @@
           <p:cNvPr id="8" name="文字方塊 7">
             <a:extLst>
               <a:ext uri="{FF2B5EF4-FFF2-40B4-BE49-F238E27FC236}">
-                <a16:creationId xmlns:a16="http://schemas.microsoft.com/office/drawing/2014/main" xmlns="" id="{653C269B-A82D-4DB6-A1B1-BD38DA5177A4}"/>
+                <a16:creationId xmlns="" xmlns:a16="http://schemas.microsoft.com/office/drawing/2014/main" id="{653C269B-A82D-4DB6-A1B1-BD38DA5177A4}"/>
               </a:ext>
             </a:extLst>
           </p:cNvPr>
@@ -8708,7 +8109,7 @@
           <p:cNvPr id="9" name="表格 8">
             <a:extLst>
               <a:ext uri="{FF2B5EF4-FFF2-40B4-BE49-F238E27FC236}">
-                <a16:creationId xmlns:a16="http://schemas.microsoft.com/office/drawing/2014/main" xmlns="" id="{58B6C19A-C691-4F10-94CF-79C5E8B49452}"/>
+                <a16:creationId xmlns="" xmlns:a16="http://schemas.microsoft.com/office/drawing/2014/main" id="{58B6C19A-C691-4F10-94CF-79C5E8B49452}"/>
               </a:ext>
             </a:extLst>
           </p:cNvPr>
@@ -8737,42 +8138,42 @@
                 <a:gridCol w="818561">
                   <a:extLst>
                     <a:ext uri="{9D8B030D-6E8A-4147-A177-3AD203B41FA5}">
-                      <a16:colId xmlns:a16="http://schemas.microsoft.com/office/drawing/2014/main" xmlns="" val="2798379932"/>
+                      <a16:colId xmlns="" xmlns:a16="http://schemas.microsoft.com/office/drawing/2014/main" val="2798379932"/>
                     </a:ext>
                   </a:extLst>
                 </a:gridCol>
                 <a:gridCol w="818561">
                   <a:extLst>
                     <a:ext uri="{9D8B030D-6E8A-4147-A177-3AD203B41FA5}">
-                      <a16:colId xmlns:a16="http://schemas.microsoft.com/office/drawing/2014/main" xmlns="" val="834846771"/>
+                      <a16:colId xmlns="" xmlns:a16="http://schemas.microsoft.com/office/drawing/2014/main" val="834846771"/>
                     </a:ext>
                   </a:extLst>
                 </a:gridCol>
                 <a:gridCol w="818561">
                   <a:extLst>
                     <a:ext uri="{9D8B030D-6E8A-4147-A177-3AD203B41FA5}">
-                      <a16:colId xmlns:a16="http://schemas.microsoft.com/office/drawing/2014/main" xmlns="" val="227989653"/>
+                      <a16:colId xmlns="" xmlns:a16="http://schemas.microsoft.com/office/drawing/2014/main" val="227989653"/>
                     </a:ext>
                   </a:extLst>
                 </a:gridCol>
                 <a:gridCol w="818561">
                   <a:extLst>
                     <a:ext uri="{9D8B030D-6E8A-4147-A177-3AD203B41FA5}">
-                      <a16:colId xmlns:a16="http://schemas.microsoft.com/office/drawing/2014/main" xmlns="" val="458712345"/>
+                      <a16:colId xmlns="" xmlns:a16="http://schemas.microsoft.com/office/drawing/2014/main" val="458712345"/>
                     </a:ext>
                   </a:extLst>
                 </a:gridCol>
                 <a:gridCol w="818561">
                   <a:extLst>
                     <a:ext uri="{9D8B030D-6E8A-4147-A177-3AD203B41FA5}">
-                      <a16:colId xmlns:a16="http://schemas.microsoft.com/office/drawing/2014/main" xmlns="" val="4283817173"/>
+                      <a16:colId xmlns="" xmlns:a16="http://schemas.microsoft.com/office/drawing/2014/main" val="4283817173"/>
                     </a:ext>
                   </a:extLst>
                 </a:gridCol>
                 <a:gridCol w="818561">
                   <a:extLst>
                     <a:ext uri="{9D8B030D-6E8A-4147-A177-3AD203B41FA5}">
-                      <a16:colId xmlns:a16="http://schemas.microsoft.com/office/drawing/2014/main" xmlns="" val="2188137648"/>
+                      <a16:colId xmlns="" xmlns:a16="http://schemas.microsoft.com/office/drawing/2014/main" val="2188137648"/>
                     </a:ext>
                   </a:extLst>
                 </a:gridCol>
@@ -8864,7 +8265,7 @@
                 </a:tc>
                 <a:extLst>
                   <a:ext uri="{0D108BD9-81ED-4DB2-BD59-A6C34878D82A}">
-                    <a16:rowId xmlns:a16="http://schemas.microsoft.com/office/drawing/2014/main" xmlns="" val="4247566177"/>
+                    <a16:rowId xmlns="" xmlns:a16="http://schemas.microsoft.com/office/drawing/2014/main" val="4247566177"/>
                   </a:ext>
                 </a:extLst>
               </a:tr>
@@ -8955,7 +8356,7 @@
                 </a:tc>
                 <a:extLst>
                   <a:ext uri="{0D108BD9-81ED-4DB2-BD59-A6C34878D82A}">
-                    <a16:rowId xmlns:a16="http://schemas.microsoft.com/office/drawing/2014/main" xmlns="" val="2196172543"/>
+                    <a16:rowId xmlns="" xmlns:a16="http://schemas.microsoft.com/office/drawing/2014/main" val="2196172543"/>
                   </a:ext>
                 </a:extLst>
               </a:tr>
@@ -8968,7 +8369,7 @@
           <p:cNvPr id="10" name="表格 9">
             <a:extLst>
               <a:ext uri="{FF2B5EF4-FFF2-40B4-BE49-F238E27FC236}">
-                <a16:creationId xmlns:a16="http://schemas.microsoft.com/office/drawing/2014/main" xmlns="" id="{2BCA8F6E-792D-411E-9D38-4DB6ABAF062D}"/>
+                <a16:creationId xmlns="" xmlns:a16="http://schemas.microsoft.com/office/drawing/2014/main" id="{2BCA8F6E-792D-411E-9D38-4DB6ABAF062D}"/>
               </a:ext>
             </a:extLst>
           </p:cNvPr>
@@ -8997,42 +8398,42 @@
                 <a:gridCol w="818561">
                   <a:extLst>
                     <a:ext uri="{9D8B030D-6E8A-4147-A177-3AD203B41FA5}">
-                      <a16:colId xmlns:a16="http://schemas.microsoft.com/office/drawing/2014/main" xmlns="" val="2798379932"/>
+                      <a16:colId xmlns="" xmlns:a16="http://schemas.microsoft.com/office/drawing/2014/main" val="2798379932"/>
                     </a:ext>
                   </a:extLst>
                 </a:gridCol>
                 <a:gridCol w="818561">
                   <a:extLst>
                     <a:ext uri="{9D8B030D-6E8A-4147-A177-3AD203B41FA5}">
-                      <a16:colId xmlns:a16="http://schemas.microsoft.com/office/drawing/2014/main" xmlns="" val="834846771"/>
+                      <a16:colId xmlns="" xmlns:a16="http://schemas.microsoft.com/office/drawing/2014/main" val="834846771"/>
                     </a:ext>
                   </a:extLst>
                 </a:gridCol>
                 <a:gridCol w="818561">
                   <a:extLst>
                     <a:ext uri="{9D8B030D-6E8A-4147-A177-3AD203B41FA5}">
-                      <a16:colId xmlns:a16="http://schemas.microsoft.com/office/drawing/2014/main" xmlns="" val="227989653"/>
+                      <a16:colId xmlns="" xmlns:a16="http://schemas.microsoft.com/office/drawing/2014/main" val="227989653"/>
                     </a:ext>
                   </a:extLst>
                 </a:gridCol>
                 <a:gridCol w="818561">
                   <a:extLst>
                     <a:ext uri="{9D8B030D-6E8A-4147-A177-3AD203B41FA5}">
-                      <a16:colId xmlns:a16="http://schemas.microsoft.com/office/drawing/2014/main" xmlns="" val="458712345"/>
+                      <a16:colId xmlns="" xmlns:a16="http://schemas.microsoft.com/office/drawing/2014/main" val="458712345"/>
                     </a:ext>
                   </a:extLst>
                 </a:gridCol>
                 <a:gridCol w="818561">
                   <a:extLst>
                     <a:ext uri="{9D8B030D-6E8A-4147-A177-3AD203B41FA5}">
-                      <a16:colId xmlns:a16="http://schemas.microsoft.com/office/drawing/2014/main" xmlns="" val="4283817173"/>
+                      <a16:colId xmlns="" xmlns:a16="http://schemas.microsoft.com/office/drawing/2014/main" val="4283817173"/>
                     </a:ext>
                   </a:extLst>
                 </a:gridCol>
                 <a:gridCol w="818561">
                   <a:extLst>
                     <a:ext uri="{9D8B030D-6E8A-4147-A177-3AD203B41FA5}">
-                      <a16:colId xmlns:a16="http://schemas.microsoft.com/office/drawing/2014/main" xmlns="" val="2188137648"/>
+                      <a16:colId xmlns="" xmlns:a16="http://schemas.microsoft.com/office/drawing/2014/main" val="2188137648"/>
                     </a:ext>
                   </a:extLst>
                 </a:gridCol>
@@ -9124,7 +8525,7 @@
                 </a:tc>
                 <a:extLst>
                   <a:ext uri="{0D108BD9-81ED-4DB2-BD59-A6C34878D82A}">
-                    <a16:rowId xmlns:a16="http://schemas.microsoft.com/office/drawing/2014/main" xmlns="" val="4247566177"/>
+                    <a16:rowId xmlns="" xmlns:a16="http://schemas.microsoft.com/office/drawing/2014/main" val="4247566177"/>
                   </a:ext>
                 </a:extLst>
               </a:tr>
@@ -9215,7 +8616,7 @@
                 </a:tc>
                 <a:extLst>
                   <a:ext uri="{0D108BD9-81ED-4DB2-BD59-A6C34878D82A}">
-                    <a16:rowId xmlns:a16="http://schemas.microsoft.com/office/drawing/2014/main" xmlns="" val="2196172543"/>
+                    <a16:rowId xmlns="" xmlns:a16="http://schemas.microsoft.com/office/drawing/2014/main" val="2196172543"/>
                   </a:ext>
                 </a:extLst>
               </a:tr>
@@ -9228,7 +8629,7 @@
           <p:cNvPr id="12" name="圖片 11">
             <a:extLst>
               <a:ext uri="{FF2B5EF4-FFF2-40B4-BE49-F238E27FC236}">
-                <a16:creationId xmlns:a16="http://schemas.microsoft.com/office/drawing/2014/main" xmlns="" id="{78E148E7-374A-4AC4-83E5-704ED1F8BA80}"/>
+                <a16:creationId xmlns="" xmlns:a16="http://schemas.microsoft.com/office/drawing/2014/main" id="{78E148E7-374A-4AC4-83E5-704ED1F8BA80}"/>
               </a:ext>
             </a:extLst>
           </p:cNvPr>
@@ -9263,7 +8664,7 @@
           <p:cNvPr id="13" name="箭號: 向右 12">
             <a:extLst>
               <a:ext uri="{FF2B5EF4-FFF2-40B4-BE49-F238E27FC236}">
-                <a16:creationId xmlns:a16="http://schemas.microsoft.com/office/drawing/2014/main" xmlns="" id="{98592141-C20D-48E3-9EB5-2AF829A6151C}"/>
+                <a16:creationId xmlns="" xmlns:a16="http://schemas.microsoft.com/office/drawing/2014/main" id="{98592141-C20D-48E3-9EB5-2AF829A6151C}"/>
               </a:ext>
             </a:extLst>
           </p:cNvPr>
@@ -9316,7 +8717,7 @@
           <p:cNvPr id="15" name="箭號: 向右 14">
             <a:extLst>
               <a:ext uri="{FF2B5EF4-FFF2-40B4-BE49-F238E27FC236}">
-                <a16:creationId xmlns:a16="http://schemas.microsoft.com/office/drawing/2014/main" xmlns="" id="{ABC92791-3255-4A55-8FFB-0B722C6D65FC}"/>
+                <a16:creationId xmlns="" xmlns:a16="http://schemas.microsoft.com/office/drawing/2014/main" id="{ABC92791-3255-4A55-8FFB-0B722C6D65FC}"/>
               </a:ext>
             </a:extLst>
           </p:cNvPr>
@@ -9365,7 +8766,7 @@
           <p:cNvPr id="16" name="箭號: 向下 15">
             <a:extLst>
               <a:ext uri="{FF2B5EF4-FFF2-40B4-BE49-F238E27FC236}">
-                <a16:creationId xmlns:a16="http://schemas.microsoft.com/office/drawing/2014/main" xmlns="" id="{919DD5B8-4346-4C8A-A810-F1E97BC4926E}"/>
+                <a16:creationId xmlns="" xmlns:a16="http://schemas.microsoft.com/office/drawing/2014/main" id="{919DD5B8-4346-4C8A-A810-F1E97BC4926E}"/>
               </a:ext>
             </a:extLst>
           </p:cNvPr>
@@ -9414,7 +8815,7 @@
           <p:cNvPr id="17" name="矩形 16">
             <a:extLst>
               <a:ext uri="{FF2B5EF4-FFF2-40B4-BE49-F238E27FC236}">
-                <a16:creationId xmlns:a16="http://schemas.microsoft.com/office/drawing/2014/main" xmlns="" id="{A0439C98-CFEB-482B-9E35-FC18A33674A8}"/>
+                <a16:creationId xmlns="" xmlns:a16="http://schemas.microsoft.com/office/drawing/2014/main" id="{A0439C98-CFEB-482B-9E35-FC18A33674A8}"/>
               </a:ext>
             </a:extLst>
           </p:cNvPr>
@@ -9490,7 +8891,7 @@
           <p:cNvPr id="19" name="矩形 18">
             <a:extLst>
               <a:ext uri="{FF2B5EF4-FFF2-40B4-BE49-F238E27FC236}">
-                <a16:creationId xmlns:a16="http://schemas.microsoft.com/office/drawing/2014/main" xmlns="" id="{C3A42D8A-147D-40E8-A96E-CC2FC44C5E1B}"/>
+                <a16:creationId xmlns="" xmlns:a16="http://schemas.microsoft.com/office/drawing/2014/main" id="{C3A42D8A-147D-40E8-A96E-CC2FC44C5E1B}"/>
               </a:ext>
             </a:extLst>
           </p:cNvPr>
@@ -9566,7 +8967,7 @@
           <p:cNvPr id="20" name="矩形 19">
             <a:extLst>
               <a:ext uri="{FF2B5EF4-FFF2-40B4-BE49-F238E27FC236}">
-                <a16:creationId xmlns:a16="http://schemas.microsoft.com/office/drawing/2014/main" xmlns="" id="{0064F9AA-0094-4491-96AE-F555CBA5484C}"/>
+                <a16:creationId xmlns="" xmlns:a16="http://schemas.microsoft.com/office/drawing/2014/main" id="{0064F9AA-0094-4491-96AE-F555CBA5484C}"/>
               </a:ext>
             </a:extLst>
           </p:cNvPr>
@@ -9642,7 +9043,7 @@
           <p:cNvPr id="21" name="矩形 20">
             <a:extLst>
               <a:ext uri="{FF2B5EF4-FFF2-40B4-BE49-F238E27FC236}">
-                <a16:creationId xmlns:a16="http://schemas.microsoft.com/office/drawing/2014/main" xmlns="" id="{99F349E1-E6FF-4093-9642-19A0773E4619}"/>
+                <a16:creationId xmlns="" xmlns:a16="http://schemas.microsoft.com/office/drawing/2014/main" id="{99F349E1-E6FF-4093-9642-19A0773E4619}"/>
               </a:ext>
             </a:extLst>
           </p:cNvPr>
@@ -9718,7 +9119,7 @@
           <p:cNvPr id="22" name="矩形 21">
             <a:extLst>
               <a:ext uri="{FF2B5EF4-FFF2-40B4-BE49-F238E27FC236}">
-                <a16:creationId xmlns:a16="http://schemas.microsoft.com/office/drawing/2014/main" xmlns="" id="{C7D7E1AF-CC05-493C-92BD-74B0D3499C5D}"/>
+                <a16:creationId xmlns="" xmlns:a16="http://schemas.microsoft.com/office/drawing/2014/main" id="{C7D7E1AF-CC05-493C-92BD-74B0D3499C5D}"/>
               </a:ext>
             </a:extLst>
           </p:cNvPr>
@@ -9794,7 +9195,7 @@
           <p:cNvPr id="24" name="橢圓 23">
             <a:extLst>
               <a:ext uri="{FF2B5EF4-FFF2-40B4-BE49-F238E27FC236}">
-                <a16:creationId xmlns:a16="http://schemas.microsoft.com/office/drawing/2014/main" xmlns="" id="{2D2C03EB-2633-45B7-9F63-8CCD8A89CDD6}"/>
+                <a16:creationId xmlns="" xmlns:a16="http://schemas.microsoft.com/office/drawing/2014/main" id="{2D2C03EB-2633-45B7-9F63-8CCD8A89CDD6}"/>
               </a:ext>
             </a:extLst>
           </p:cNvPr>
@@ -10488,7 +9889,7 @@
 </p:sld>
 </file>
 
-<file path=ppt/slides/slide27.xml><?xml version="1.0" encoding="utf-8"?>
+<file path=ppt/slides/slide21.xml><?xml version="1.0" encoding="utf-8"?>
 <p:sld xmlns:a="http://schemas.openxmlformats.org/drawingml/2006/main" xmlns:r="http://schemas.openxmlformats.org/officeDocument/2006/relationships" xmlns:p="http://schemas.openxmlformats.org/presentationml/2006/main">
   <p:cSld>
     <p:spTree>
@@ -10528,8 +9929,8 @@
           </a:p>
         </p:txBody>
       </p:sp>
-      <mc:AlternateContent xmlns:mc="http://schemas.openxmlformats.org/markup-compatibility/2006">
-        <mc:Choice xmlns:a14="http://schemas.microsoft.com/office/drawing/2010/main" Requires="a14">
+      <mc:AlternateContent xmlns:mc="http://schemas.openxmlformats.org/markup-compatibility/2006" xmlns:a14="http://schemas.microsoft.com/office/drawing/2010/main">
+        <mc:Choice Requires="a14">
           <p:sp>
             <p:nvSpPr>
               <p:cNvPr id="3" name="內容版面配置區 2"/>
@@ -10685,7 +10086,7 @@
                         <m:supHide m:val="on"/>
                         <m:ctrlPr>
                           <a:rPr kumimoji="1" lang="zh-TW" altLang="en-US" sz="3300" b="0" i="1" smtClean="0">
-                            <a:latin typeface="Cambria Math" charset="0"/>
+                            <a:latin typeface="Cambria Math" panose="02040503050406030204" pitchFamily="18" charset="0"/>
                           </a:rPr>
                         </m:ctrlPr>
                       </m:naryPr>
@@ -10710,7 +10111,7 @@
                           <m:dPr>
                             <m:ctrlPr>
                               <a:rPr kumimoji="1" lang="en-US" altLang="zh-TW" sz="3300" b="0" i="1" smtClean="0">
-                                <a:latin typeface="Cambria Math" charset="0"/>
+                                <a:latin typeface="Cambria Math" panose="02040503050406030204" pitchFamily="18" charset="0"/>
                                 <a:ea typeface="Cambria Math" charset="0"/>
                                 <a:cs typeface="Cambria Math" charset="0"/>
                               </a:rPr>
@@ -10721,7 +10122,7 @@
                               <m:fPr>
                                 <m:ctrlPr>
                                   <a:rPr kumimoji="1" lang="mr-IN" altLang="zh-TW" sz="3300" b="0" i="1" smtClean="0">
-                                    <a:latin typeface="Cambria Math" charset="0"/>
+                                    <a:latin typeface="Cambria Math" panose="02040503050406030204" pitchFamily="18" charset="0"/>
                                     <a:ea typeface="Cambria Math" charset="0"/>
                                     <a:cs typeface="Cambria Math" charset="0"/>
                                   </a:rPr>
@@ -10742,7 +10143,7 @@
                                   <m:sSubPr>
                                     <m:ctrlPr>
                                       <a:rPr kumimoji="1" lang="en-US" altLang="zh-TW" sz="3300" b="0" i="1" smtClean="0">
-                                        <a:latin typeface="Cambria Math" charset="0"/>
+                                        <a:latin typeface="Cambria Math" panose="02040503050406030204" pitchFamily="18" charset="0"/>
                                         <a:ea typeface="Cambria Math" charset="0"/>
                                         <a:cs typeface="Cambria Math" charset="0"/>
                                       </a:rPr>
@@ -10801,7 +10202,7 @@
                           <m:dPr>
                             <m:ctrlPr>
                               <a:rPr kumimoji="1" lang="en-US" altLang="zh-TW" sz="3300" b="0" i="1" smtClean="0">
-                                <a:latin typeface="Cambria Math" charset="0"/>
+                                <a:latin typeface="Cambria Math" panose="02040503050406030204" pitchFamily="18" charset="0"/>
                                 <a:ea typeface="Cambria Math" charset="0"/>
                                 <a:cs typeface="Cambria Math" charset="0"/>
                               </a:rPr>
@@ -10812,7 +10213,7 @@
                               <m:fPr>
                                 <m:ctrlPr>
                                   <a:rPr kumimoji="1" lang="mr-IN" altLang="zh-TW" sz="3300" b="0" i="1" smtClean="0">
-                                    <a:latin typeface="Cambria Math" charset="0"/>
+                                    <a:latin typeface="Cambria Math" panose="02040503050406030204" pitchFamily="18" charset="0"/>
                                     <a:ea typeface="Cambria Math" charset="0"/>
                                     <a:cs typeface="Cambria Math" charset="0"/>
                                   </a:rPr>
@@ -10833,7 +10234,7 @@
                                   <m:sSubPr>
                                     <m:ctrlPr>
                                       <a:rPr kumimoji="1" lang="en-US" altLang="zh-TW" sz="3300" b="0" i="1" smtClean="0">
-                                        <a:latin typeface="Cambria Math" charset="0"/>
+                                        <a:latin typeface="Cambria Math" panose="02040503050406030204" pitchFamily="18" charset="0"/>
                                         <a:ea typeface="Cambria Math" charset="0"/>
                                         <a:cs typeface="Cambria Math" charset="0"/>
                                       </a:rPr>
@@ -10899,7 +10300,7 @@
             </p:txBody>
           </p:sp>
         </mc:Choice>
-        <mc:Fallback>
+        <mc:Fallback xmlns="">
           <p:sp>
             <p:nvSpPr>
               <p:cNvPr id="3" name="內容版面配置區 2"/>
@@ -11477,7 +10878,7 @@
 </p:sld>
 </file>
 
-<file path=ppt/slides/slide28.xml><?xml version="1.0" encoding="utf-8"?>
+<file path=ppt/slides/slide22.xml><?xml version="1.0" encoding="utf-8"?>
 <p:sld xmlns:a="http://schemas.openxmlformats.org/drawingml/2006/main" xmlns:r="http://schemas.openxmlformats.org/officeDocument/2006/relationships" xmlns:p="http://schemas.openxmlformats.org/presentationml/2006/main">
   <p:cSld>
     <p:spTree>
@@ -11545,7 +10946,7 @@
 </p:sld>
 </file>
 
-<file path=ppt/slides/slide29.xml><?xml version="1.0" encoding="utf-8"?>
+<file path=ppt/slides/slide23.xml><?xml version="1.0" encoding="utf-8"?>
 <p:sld xmlns:a="http://schemas.openxmlformats.org/drawingml/2006/main" xmlns:r="http://schemas.openxmlformats.org/officeDocument/2006/relationships" xmlns:p="http://schemas.openxmlformats.org/presentationml/2006/main">
   <p:cSld>
     <p:spTree>
@@ -11663,6 +11064,160 @@
     <p:extLst>
       <p:ext uri="{BB962C8B-B14F-4D97-AF65-F5344CB8AC3E}">
         <p14:creationId xmlns:p14="http://schemas.microsoft.com/office/powerpoint/2010/main" val="397140651"/>
+      </p:ext>
+    </p:extLst>
+  </p:cSld>
+  <p:clrMapOvr>
+    <a:masterClrMapping/>
+  </p:clrMapOvr>
+  <p:timing>
+    <p:tnLst>
+      <p:par>
+        <p:cTn id="1" dur="indefinite" restart="never" nodeType="tmRoot"/>
+      </p:par>
+    </p:tnLst>
+  </p:timing>
+</p:sld>
+</file>
+
+<file path=ppt/slides/slide24.xml><?xml version="1.0" encoding="utf-8"?>
+<p:sld xmlns:a="http://schemas.openxmlformats.org/drawingml/2006/main" xmlns:r="http://schemas.openxmlformats.org/officeDocument/2006/relationships" xmlns:p="http://schemas.openxmlformats.org/presentationml/2006/main">
+  <p:cSld>
+    <p:spTree>
+      <p:nvGrpSpPr>
+        <p:cNvPr id="1" name=""/>
+        <p:cNvGrpSpPr/>
+        <p:nvPr/>
+      </p:nvGrpSpPr>
+      <p:grpSpPr>
+        <a:xfrm>
+          <a:off x="0" y="0"/>
+          <a:ext cx="0" cy="0"/>
+          <a:chOff x="0" y="0"/>
+          <a:chExt cx="0" cy="0"/>
+        </a:xfrm>
+      </p:grpSpPr>
+      <p:sp>
+        <p:nvSpPr>
+          <p:cNvPr id="2" name="標題 1"/>
+          <p:cNvSpPr>
+            <a:spLocks noGrp="1"/>
+          </p:cNvSpPr>
+          <p:nvPr>
+            <p:ph type="title"/>
+          </p:nvPr>
+        </p:nvSpPr>
+        <p:spPr/>
+        <p:txBody>
+          <a:bodyPr/>
+          <a:lstStyle/>
+          <a:p>
+            <a:r>
+              <a:rPr lang="zh-TW" altLang="en-US" dirty="0" smtClean="0"/>
+              <a:t>未來展望</a:t>
+            </a:r>
+            <a:endParaRPr lang="zh-TW" altLang="en-US" dirty="0"/>
+          </a:p>
+        </p:txBody>
+      </p:sp>
+      <p:sp>
+        <p:nvSpPr>
+          <p:cNvPr id="3" name="內容版面配置區 2"/>
+          <p:cNvSpPr>
+            <a:spLocks noGrp="1"/>
+          </p:cNvSpPr>
+          <p:nvPr>
+            <p:ph idx="1"/>
+          </p:nvPr>
+        </p:nvSpPr>
+        <p:spPr/>
+        <p:txBody>
+          <a:bodyPr>
+            <a:normAutofit/>
+          </a:bodyPr>
+          <a:lstStyle/>
+          <a:p>
+            <a:r>
+              <a:rPr lang="zh-TW" altLang="en-US" sz="2400" dirty="0"/>
+              <a:t>擴展投資商品到公益商品，增進社會的公益參與</a:t>
+            </a:r>
+            <a:r>
+              <a:rPr lang="zh-TW" altLang="en-US" sz="2400" dirty="0" smtClean="0"/>
+              <a:t>度</a:t>
+            </a:r>
+            <a:endParaRPr lang="en-US" altLang="zh-TW" sz="2400" dirty="0" smtClean="0"/>
+          </a:p>
+          <a:p>
+            <a:r>
+              <a:rPr lang="zh-TW" altLang="en-US" sz="2400" dirty="0" smtClean="0"/>
+              <a:t>透過理專過去的投資紀錄找出淺在 </a:t>
+            </a:r>
+            <a:r>
+              <a:rPr lang="en-US" altLang="zh-TW" sz="2400" dirty="0" smtClean="0"/>
+              <a:t>knowledge</a:t>
+            </a:r>
+            <a:r>
+              <a:rPr lang="zh-TW" altLang="en-US" sz="2400" dirty="0" smtClean="0"/>
+              <a:t>，進一步優化推薦系統</a:t>
+            </a:r>
+            <a:endParaRPr lang="en-US" altLang="zh-TW" sz="2400" dirty="0" smtClean="0"/>
+          </a:p>
+          <a:p>
+            <a:r>
+              <a:rPr lang="zh-TW" altLang="en-US" sz="2400" dirty="0"/>
+              <a:t>根據國際新聞去改變推薦的</a:t>
+            </a:r>
+            <a:r>
+              <a:rPr lang="zh-TW" altLang="en-US" sz="2400" dirty="0" smtClean="0"/>
+              <a:t>策略</a:t>
+            </a:r>
+            <a:endParaRPr lang="en-US" altLang="zh-TW" sz="2400" dirty="0" smtClean="0"/>
+          </a:p>
+          <a:p>
+            <a:r>
+              <a:rPr lang="zh-TW" altLang="en-US" sz="2400" dirty="0" smtClean="0"/>
+              <a:t>對於資料不足的用戶，</a:t>
+            </a:r>
+            <a:r>
+              <a:rPr lang="zh-TW" altLang="en-US" sz="2400" dirty="0" smtClean="0"/>
+              <a:t>透過</a:t>
+            </a:r>
+            <a:r>
+              <a:rPr lang="en-US" altLang="zh-TW" sz="2400" dirty="0" smtClean="0"/>
+              <a:t>active learning</a:t>
+            </a:r>
+            <a:r>
+              <a:rPr lang="zh-TW" altLang="en-US" sz="2400" dirty="0" smtClean="0"/>
+              <a:t>收集間接資訊</a:t>
+            </a:r>
+            <a:r>
+              <a:rPr lang="zh-TW" altLang="en-US" sz="2400" dirty="0" smtClean="0"/>
+              <a:t>進而優化系統</a:t>
+            </a:r>
+            <a:endParaRPr lang="en-US" altLang="zh-TW" sz="2400" dirty="0" smtClean="0"/>
+          </a:p>
+          <a:p>
+            <a:r>
+              <a:rPr lang="zh-TW" altLang="en-US" sz="2400" dirty="0" smtClean="0"/>
+              <a:t>綜合以上資訊協助分析師設計金融性商品</a:t>
+            </a:r>
+            <a:endParaRPr lang="en-US" altLang="zh-TW" sz="2400" dirty="0" smtClean="0"/>
+          </a:p>
+          <a:p>
+            <a:endParaRPr lang="en-US" altLang="zh-TW" sz="2400" dirty="0" smtClean="0"/>
+          </a:p>
+          <a:p>
+            <a:endParaRPr lang="en-US" altLang="zh-TW" sz="2200" dirty="0" smtClean="0"/>
+          </a:p>
+          <a:p>
+            <a:endParaRPr lang="zh-TW" altLang="en-US" sz="2200" dirty="0"/>
+          </a:p>
+        </p:txBody>
+      </p:sp>
+    </p:spTree>
+    <p:extLst>
+      <p:ext uri="{BB962C8B-B14F-4D97-AF65-F5344CB8AC3E}">
+        <p14:creationId xmlns:p14="http://schemas.microsoft.com/office/powerpoint/2010/main" val="1490170875"/>
       </p:ext>
     </p:extLst>
   </p:cSld>
@@ -11813,152 +11368,6 @@
 </p:sld>
 </file>
 
-<file path=ppt/slides/slide30.xml><?xml version="1.0" encoding="utf-8"?>
-<p:sld xmlns:a="http://schemas.openxmlformats.org/drawingml/2006/main" xmlns:r="http://schemas.openxmlformats.org/officeDocument/2006/relationships" xmlns:p="http://schemas.openxmlformats.org/presentationml/2006/main">
-  <p:cSld>
-    <p:spTree>
-      <p:nvGrpSpPr>
-        <p:cNvPr id="1" name=""/>
-        <p:cNvGrpSpPr/>
-        <p:nvPr/>
-      </p:nvGrpSpPr>
-      <p:grpSpPr>
-        <a:xfrm>
-          <a:off x="0" y="0"/>
-          <a:ext cx="0" cy="0"/>
-          <a:chOff x="0" y="0"/>
-          <a:chExt cx="0" cy="0"/>
-        </a:xfrm>
-      </p:grpSpPr>
-      <p:sp>
-        <p:nvSpPr>
-          <p:cNvPr id="2" name="標題 1"/>
-          <p:cNvSpPr>
-            <a:spLocks noGrp="1"/>
-          </p:cNvSpPr>
-          <p:nvPr>
-            <p:ph type="title"/>
-          </p:nvPr>
-        </p:nvSpPr>
-        <p:spPr/>
-        <p:txBody>
-          <a:bodyPr/>
-          <a:lstStyle/>
-          <a:p>
-            <a:r>
-              <a:rPr lang="zh-TW" altLang="en-US" dirty="0" smtClean="0"/>
-              <a:t>未來展望</a:t>
-            </a:r>
-            <a:endParaRPr lang="zh-TW" altLang="en-US" dirty="0"/>
-          </a:p>
-        </p:txBody>
-      </p:sp>
-      <p:sp>
-        <p:nvSpPr>
-          <p:cNvPr id="3" name="內容版面配置區 2"/>
-          <p:cNvSpPr>
-            <a:spLocks noGrp="1"/>
-          </p:cNvSpPr>
-          <p:nvPr>
-            <p:ph idx="1"/>
-          </p:nvPr>
-        </p:nvSpPr>
-        <p:spPr/>
-        <p:txBody>
-          <a:bodyPr>
-            <a:normAutofit/>
-          </a:bodyPr>
-          <a:lstStyle/>
-          <a:p>
-            <a:r>
-              <a:rPr lang="zh-TW" altLang="en-US" sz="2400" dirty="0"/>
-              <a:t>擴展投資商品到公益商品，增進社會的公益參與</a:t>
-            </a:r>
-            <a:r>
-              <a:rPr lang="zh-TW" altLang="en-US" sz="2400" dirty="0" smtClean="0"/>
-              <a:t>度</a:t>
-            </a:r>
-            <a:endParaRPr lang="en-US" altLang="zh-TW" sz="2400" dirty="0" smtClean="0"/>
-          </a:p>
-          <a:p>
-            <a:r>
-              <a:rPr lang="zh-TW" altLang="en-US" sz="2400" dirty="0" smtClean="0"/>
-              <a:t>透過理專過去的投資紀錄找出淺在 </a:t>
-            </a:r>
-            <a:r>
-              <a:rPr lang="en-US" altLang="zh-TW" sz="2400" dirty="0" smtClean="0"/>
-              <a:t>knowledge</a:t>
-            </a:r>
-            <a:r>
-              <a:rPr lang="zh-TW" altLang="en-US" sz="2400" dirty="0" smtClean="0"/>
-              <a:t>，</a:t>
-            </a:r>
-            <a:r>
-              <a:rPr lang="zh-TW" altLang="en-US" sz="2400" dirty="0" smtClean="0"/>
-              <a:t>進一步優化推薦系統</a:t>
-            </a:r>
-            <a:endParaRPr lang="en-US" altLang="zh-TW" sz="2400" dirty="0" smtClean="0"/>
-          </a:p>
-          <a:p>
-            <a:r>
-              <a:rPr lang="zh-TW" altLang="en-US" sz="2400" dirty="0"/>
-              <a:t>根據國際新聞去改變推薦的</a:t>
-            </a:r>
-            <a:r>
-              <a:rPr lang="zh-TW" altLang="en-US" sz="2400" dirty="0" smtClean="0"/>
-              <a:t>策略</a:t>
-            </a:r>
-            <a:endParaRPr lang="en-US" altLang="zh-TW" sz="2400" dirty="0" smtClean="0"/>
-          </a:p>
-          <a:p>
-            <a:r>
-              <a:rPr lang="zh-TW" altLang="en-US" sz="2400" dirty="0" smtClean="0"/>
-              <a:t>對於資料不足的用戶，透過系統間接收集資訊進而優化系統</a:t>
-            </a:r>
-            <a:endParaRPr lang="en-US" altLang="zh-TW" sz="2400" dirty="0" smtClean="0"/>
-          </a:p>
-          <a:p>
-            <a:r>
-              <a:rPr lang="zh-TW" altLang="en-US" sz="2400" dirty="0" smtClean="0"/>
-              <a:t>綜合</a:t>
-            </a:r>
-            <a:r>
-              <a:rPr lang="zh-TW" altLang="en-US" sz="2400" dirty="0" smtClean="0"/>
-              <a:t>以上資訊協助分析師設計金融性商品</a:t>
-            </a:r>
-            <a:endParaRPr lang="en-US" altLang="zh-TW" sz="2400" dirty="0" smtClean="0"/>
-          </a:p>
-          <a:p>
-            <a:endParaRPr lang="en-US" altLang="zh-TW" sz="2400" dirty="0" smtClean="0"/>
-          </a:p>
-          <a:p>
-            <a:endParaRPr lang="en-US" altLang="zh-TW" sz="2200" dirty="0" smtClean="0"/>
-          </a:p>
-          <a:p>
-            <a:endParaRPr lang="zh-TW" altLang="en-US" sz="2200" dirty="0"/>
-          </a:p>
-        </p:txBody>
-      </p:sp>
-    </p:spTree>
-    <p:extLst>
-      <p:ext uri="{BB962C8B-B14F-4D97-AF65-F5344CB8AC3E}">
-        <p14:creationId xmlns:p14="http://schemas.microsoft.com/office/powerpoint/2010/main" val="1490170875"/>
-      </p:ext>
-    </p:extLst>
-  </p:cSld>
-  <p:clrMapOvr>
-    <a:masterClrMapping/>
-  </p:clrMapOvr>
-  <p:timing>
-    <p:tnLst>
-      <p:par>
-        <p:cTn id="1" dur="indefinite" restart="never" nodeType="tmRoot"/>
-      </p:par>
-    </p:tnLst>
-  </p:timing>
-</p:sld>
-</file>
-
 <file path=ppt/slides/slide4.xml><?xml version="1.0" encoding="utf-8"?>
 <p:sld xmlns:a="http://schemas.openxmlformats.org/drawingml/2006/main" xmlns:r="http://schemas.openxmlformats.org/officeDocument/2006/relationships" xmlns:p="http://schemas.openxmlformats.org/presentationml/2006/main">
   <p:cSld>
@@ -11992,10 +11401,10 @@
           <a:lstStyle/>
           <a:p>
             <a:r>
-              <a:rPr kumimoji="1" lang="zh-TW" altLang="en-US" smtClean="0"/>
+              <a:rPr kumimoji="1" lang="zh-TW" altLang="en-US" dirty="0" smtClean="0"/>
               <a:t>動機</a:t>
             </a:r>
-            <a:endParaRPr kumimoji="1" lang="zh-TW" altLang="en-US"/>
+            <a:endParaRPr kumimoji="1" lang="zh-TW" altLang="en-US" dirty="0"/>
           </a:p>
         </p:txBody>
       </p:sp>
@@ -12017,7 +11426,7 @@
         </p:spPr>
         <p:txBody>
           <a:bodyPr>
-            <a:normAutofit lnSpcReduction="10000"/>
+            <a:normAutofit fontScale="92500" lnSpcReduction="20000"/>
           </a:bodyPr>
           <a:lstStyle/>
           <a:p>
@@ -12026,7 +11435,23 @@
           <a:p>
             <a:r>
               <a:rPr kumimoji="1" lang="zh-TW" altLang="en-US" dirty="0" smtClean="0"/>
-              <a:t>擁有較多資源的族群（金字塔頂端）</a:t>
+              <a:t>擁有較多資源的族群</a:t>
+            </a:r>
+            <a:r>
+              <a:rPr kumimoji="1" lang="zh-TW" altLang="en-US" dirty="0" smtClean="0"/>
+              <a:t>（</a:t>
+            </a:r>
+            <a:r>
+              <a:rPr kumimoji="1" lang="zh-TW" altLang="en-US" dirty="0" smtClean="0"/>
+              <a:t>富裕人生</a:t>
+            </a:r>
+            <a:r>
+              <a:rPr kumimoji="1" lang="zh-TW" altLang="en-US" dirty="0"/>
+              <a:t>族</a:t>
+            </a:r>
+            <a:r>
+              <a:rPr kumimoji="1" lang="zh-TW" altLang="en-US" dirty="0" smtClean="0"/>
+              <a:t>）</a:t>
             </a:r>
             <a:endParaRPr kumimoji="1" lang="en-US" altLang="zh-TW" dirty="0" smtClean="0"/>
           </a:p>
@@ -12052,7 +11477,31 @@
           <a:p>
             <a:r>
               <a:rPr kumimoji="1" lang="zh-TW" altLang="en-US" dirty="0" smtClean="0"/>
-              <a:t>擁有較少資源的族群（金字塔底層）</a:t>
+              <a:t>擁有較少資源的族群</a:t>
+            </a:r>
+            <a:r>
+              <a:rPr kumimoji="1" lang="zh-TW" altLang="en-US" dirty="0" smtClean="0"/>
+              <a:t>（</a:t>
+            </a:r>
+            <a:r>
+              <a:rPr kumimoji="1" lang="zh-TW" altLang="en-US" dirty="0" smtClean="0"/>
+              <a:t>一</a:t>
+            </a:r>
+            <a:r>
+              <a:rPr kumimoji="1" lang="zh-TW" altLang="en-US" dirty="0"/>
+              <a:t>般</a:t>
+            </a:r>
+            <a:r>
+              <a:rPr kumimoji="1" lang="zh-TW" altLang="en-US" dirty="0" smtClean="0"/>
+              <a:t>大</a:t>
+            </a:r>
+            <a:r>
+              <a:rPr kumimoji="1" lang="zh-TW" altLang="en-US" dirty="0"/>
+              <a:t>眾</a:t>
+            </a:r>
+            <a:r>
+              <a:rPr kumimoji="1" lang="zh-TW" altLang="en-US" dirty="0" smtClean="0"/>
+              <a:t>）</a:t>
             </a:r>
             <a:endParaRPr kumimoji="1" lang="en-US" altLang="zh-TW" dirty="0" smtClean="0"/>
           </a:p>
@@ -12060,17 +11509,33 @@
             <a:pPr lvl="1"/>
             <a:r>
               <a:rPr kumimoji="1" lang="zh-TW" altLang="en-US" dirty="0" smtClean="0"/>
-              <a:t>缺少理財知識</a:t>
+              <a:t>缺少</a:t>
+            </a:r>
+            <a:r>
+              <a:rPr kumimoji="1" lang="zh-TW" altLang="en-US" dirty="0" smtClean="0"/>
+              <a:t>理財資訊與經驗</a:t>
             </a:r>
             <a:endParaRPr kumimoji="1" lang="en-US" altLang="zh-TW" dirty="0" smtClean="0"/>
           </a:p>
           <a:p>
+            <a:pPr lvl="1"/>
+            <a:r>
+              <a:rPr kumimoji="1" lang="zh-TW" altLang="en-US" dirty="0" smtClean="0"/>
+              <a:t>無法負荷理專傭金</a:t>
+            </a:r>
             <a:endParaRPr kumimoji="1" lang="en-US" altLang="zh-TW" dirty="0" smtClean="0"/>
           </a:p>
           <a:p>
+            <a:endParaRPr kumimoji="1" lang="en-US" altLang="zh-TW" dirty="0" smtClean="0"/>
+          </a:p>
+          <a:p>
             <a:r>
               <a:rPr kumimoji="1" lang="zh-TW" altLang="en-US" dirty="0" smtClean="0"/>
-              <a:t>理專面</a:t>
+              <a:t>理</a:t>
+            </a:r>
+            <a:r>
+              <a:rPr kumimoji="1" lang="zh-TW" altLang="en-US" dirty="0" smtClean="0"/>
+              <a:t>專方面</a:t>
             </a:r>
             <a:endParaRPr kumimoji="1" lang="en-US" altLang="zh-TW" dirty="0" smtClean="0"/>
           </a:p>
@@ -12088,7 +11553,11 @@
           <a:p>
             <a:r>
               <a:rPr kumimoji="1" lang="zh-TW" altLang="en-US" dirty="0" smtClean="0"/>
-              <a:t>理財商品面</a:t>
+              <a:t>理財</a:t>
+            </a:r>
+            <a:r>
+              <a:rPr kumimoji="1" lang="zh-TW" altLang="en-US" dirty="0" smtClean="0"/>
+              <a:t>商品方面</a:t>
             </a:r>
             <a:endParaRPr kumimoji="1" lang="en-US" altLang="zh-TW" dirty="0" smtClean="0"/>
           </a:p>
@@ -13074,29 +12543,6 @@
       </p:grpSpPr>
       <p:sp>
         <p:nvSpPr>
-          <p:cNvPr id="2" name="標題 1"/>
-          <p:cNvSpPr>
-            <a:spLocks noGrp="1"/>
-          </p:cNvSpPr>
-          <p:nvPr>
-            <p:ph type="title"/>
-          </p:nvPr>
-        </p:nvSpPr>
-        <p:spPr/>
-        <p:txBody>
-          <a:bodyPr/>
-          <a:lstStyle/>
-          <a:p>
-            <a:r>
-              <a:rPr kumimoji="1" lang="zh-TW" altLang="en-US" dirty="0" smtClean="0"/>
-              <a:t>功能與特色</a:t>
-            </a:r>
-            <a:endParaRPr kumimoji="1" lang="zh-TW" altLang="en-US" dirty="0"/>
-          </a:p>
-        </p:txBody>
-      </p:sp>
-      <p:sp>
-        <p:nvSpPr>
           <p:cNvPr id="3" name="內容版面配置區 2"/>
           <p:cNvSpPr>
             <a:spLocks noGrp="1"/>
@@ -13105,7 +12551,12 @@
             <p:ph idx="1"/>
           </p:nvPr>
         </p:nvSpPr>
-        <p:spPr/>
+        <p:spPr>
+          <a:xfrm>
+            <a:off x="1069848" y="359764"/>
+            <a:ext cx="10058400" cy="5812436"/>
+          </a:xfrm>
+        </p:spPr>
         <p:txBody>
           <a:bodyPr/>
           <a:lstStyle/>
@@ -13135,6 +12586,66 @@
           </a:p>
         </p:txBody>
       </p:sp>
+      <p:pic>
+        <p:nvPicPr>
+          <p:cNvPr id="4" name="圖片 3"/>
+          <p:cNvPicPr>
+            <a:picLocks noChangeAspect="1"/>
+          </p:cNvPicPr>
+          <p:nvPr/>
+        </p:nvPicPr>
+        <p:blipFill>
+          <a:blip r:embed="rId2">
+            <a:extLst>
+              <a:ext uri="{28A0092B-C50C-407E-A947-70E740481C1C}">
+                <a14:useLocalDpi xmlns:a14="http://schemas.microsoft.com/office/drawing/2010/main" val="0"/>
+              </a:ext>
+            </a:extLst>
+          </a:blip>
+          <a:stretch>
+            <a:fillRect/>
+          </a:stretch>
+        </p:blipFill>
+        <p:spPr>
+          <a:xfrm>
+            <a:off x="1429612" y="934386"/>
+            <a:ext cx="8883621" cy="5552263"/>
+          </a:xfrm>
+          <a:prstGeom prst="rect">
+            <a:avLst/>
+          </a:prstGeom>
+          <a:solidFill>
+            <a:srgbClr val="FFFFFF">
+              <a:shade val="85000"/>
+            </a:srgbClr>
+          </a:solidFill>
+          <a:ln w="88900" cap="sq">
+            <a:solidFill>
+              <a:srgbClr val="FFFFFF"/>
+            </a:solidFill>
+            <a:miter lim="800000"/>
+          </a:ln>
+          <a:effectLst>
+            <a:outerShdw blurRad="55000" dist="18000" dir="5400000" algn="tl" rotWithShape="0">
+              <a:srgbClr val="000000">
+                <a:alpha val="40000"/>
+              </a:srgbClr>
+            </a:outerShdw>
+          </a:effectLst>
+          <a:scene3d>
+            <a:camera prst="orthographicFront"/>
+            <a:lightRig rig="twoPt" dir="t">
+              <a:rot lat="0" lon="0" rev="7200000"/>
+            </a:lightRig>
+          </a:scene3d>
+          <a:sp3d>
+            <a:bevelT w="25400" h="19050"/>
+            <a:contourClr>
+              <a:srgbClr val="FFFFFF"/>
+            </a:contourClr>
+          </a:sp3d>
+        </p:spPr>
+      </p:pic>
     </p:spTree>
     <p:extLst>
       <p:ext uri="{BB962C8B-B14F-4D97-AF65-F5344CB8AC3E}">
